--- a/AQAFrameworkRestructure.pptx
+++ b/AQAFrameworkRestructure.pptx
@@ -5369,8 +5369,12 @@
               <a:t>Machine will be created by Ansible scripts followed by required software installation e.g. </a:t>
             </a:r>
             <a:r>
-              <a:rPr lang="en-IN" dirty="0" err="1"/>
-              <a:t>python,docker</a:t>
+              <a:rPr lang="en-IN" err="1"/>
+              <a:t>python</a:t>
+            </a:r>
+            <a:r>
+              <a:rPr lang="en-IN"/>
+              <a:t>, docker etc.</a:t>
             </a:r>
             <a:endParaRPr lang="en-IN" dirty="0"/>
           </a:p>
@@ -7353,24 +7357,6 @@
 </file>
 
 <file path=customXml/item1.xml><?xml version="1.0" encoding="utf-8"?>
-<p:properties xmlns:p="http://schemas.microsoft.com/office/2006/metadata/properties" xmlns:xsi="http://www.w3.org/2001/XMLSchema-instance" xmlns:pc="http://schemas.microsoft.com/office/infopath/2007/PartnerControls">
-  <documentManagement>
-    <PublishingExpirationDate xmlns="http://schemas.microsoft.com/sharepoint/v3" xsi:nil="true"/>
-    <PublishingStartDate xmlns="http://schemas.microsoft.com/sharepoint/v3" xsi:nil="true"/>
-  </documentManagement>
-</p:properties>
-</file>
-
-<file path=customXml/item2.xml><?xml version="1.0" encoding="utf-8"?>
-<?mso-contentType ?>
-<FormTemplates xmlns="http://schemas.microsoft.com/sharepoint/v3/contenttype/forms">
-  <Display>DocumentLibraryForm</Display>
-  <Edit>DocumentLibraryForm</Edit>
-  <New>DocumentLibraryForm</New>
-</FormTemplates>
-</file>
-
-<file path=customXml/item3.xml><?xml version="1.0" encoding="utf-8"?>
 <ct:contentTypeSchema xmlns:ct="http://schemas.microsoft.com/office/2006/metadata/contentType" xmlns:ma="http://schemas.microsoft.com/office/2006/metadata/properties/metaAttributes" ct:_="" ma:_="" ma:contentTypeName="Document" ma:contentTypeID="0x010100C8ECA8C90724234E95D200C412EB9454" ma:contentTypeVersion="4" ma:contentTypeDescription="Create a new document." ma:contentTypeScope="" ma:versionID="0c058d0e7200ec9dc50c6f24e1ba9734">
   <xsd:schema xmlns:xsd="http://www.w3.org/2001/XMLSchema" xmlns:xs="http://www.w3.org/2001/XMLSchema" xmlns:p="http://schemas.microsoft.com/office/2006/metadata/properties" xmlns:ns1="http://schemas.microsoft.com/sharepoint/v3" xmlns:ns2="51b3407c-fedb-44f6-9ace-eaeb25a76322" targetNamespace="http://schemas.microsoft.com/office/2006/metadata/properties" ma:root="true" ma:fieldsID="b628b415d07df276b4b0fe4f729c7fc9" ns1:_="" ns2:_="">
     <xsd:import namespace="http://schemas.microsoft.com/sharepoint/v3"/>
@@ -7541,32 +7527,25 @@
 </ct:contentTypeSchema>
 </file>
 
-<file path=customXml/itemProps1.xml><?xml version="1.0" encoding="utf-8"?>
-<ds:datastoreItem xmlns:ds="http://schemas.openxmlformats.org/officeDocument/2006/customXml" ds:itemID="{1C47F3C1-922C-470F-AE9F-3F1BEA58E8F9}">
-  <ds:schemaRefs>
-    <ds:schemaRef ds:uri="http://schemas.microsoft.com/office/2006/metadata/properties"/>
-    <ds:schemaRef ds:uri="http://purl.org/dc/dcmitype/"/>
-    <ds:schemaRef ds:uri="51b3407c-fedb-44f6-9ace-eaeb25a76322"/>
-    <ds:schemaRef ds:uri="http://schemas.microsoft.com/office/2006/documentManagement/types"/>
-    <ds:schemaRef ds:uri="http://www.w3.org/XML/1998/namespace"/>
-    <ds:schemaRef ds:uri="http://schemas.microsoft.com/sharepoint/v3"/>
-    <ds:schemaRef ds:uri="http://purl.org/dc/elements/1.1/"/>
-    <ds:schemaRef ds:uri="http://schemas.microsoft.com/office/infopath/2007/PartnerControls"/>
-    <ds:schemaRef ds:uri="http://schemas.openxmlformats.org/package/2006/metadata/core-properties"/>
-    <ds:schemaRef ds:uri="http://purl.org/dc/terms/"/>
-  </ds:schemaRefs>
-</ds:datastoreItem>
+<file path=customXml/item2.xml><?xml version="1.0" encoding="utf-8"?>
+<?mso-contentType ?>
+<FormTemplates xmlns="http://schemas.microsoft.com/sharepoint/v3/contenttype/forms">
+  <Display>DocumentLibraryForm</Display>
+  <Edit>DocumentLibraryForm</Edit>
+  <New>DocumentLibraryForm</New>
+</FormTemplates>
 </file>
 
-<file path=customXml/itemProps2.xml><?xml version="1.0" encoding="utf-8"?>
-<ds:datastoreItem xmlns:ds="http://schemas.openxmlformats.org/officeDocument/2006/customXml" ds:itemID="{5099E0B7-1240-45C9-A487-398764AEB8C1}">
-  <ds:schemaRefs>
-    <ds:schemaRef ds:uri="http://schemas.microsoft.com/sharepoint/v3/contenttype/forms"/>
-  </ds:schemaRefs>
-</ds:datastoreItem>
+<file path=customXml/item3.xml><?xml version="1.0" encoding="utf-8"?>
+<p:properties xmlns:p="http://schemas.microsoft.com/office/2006/metadata/properties" xmlns:xsi="http://www.w3.org/2001/XMLSchema-instance" xmlns:pc="http://schemas.microsoft.com/office/infopath/2007/PartnerControls">
+  <documentManagement>
+    <PublishingExpirationDate xmlns="http://schemas.microsoft.com/sharepoint/v3" xsi:nil="true"/>
+    <PublishingStartDate xmlns="http://schemas.microsoft.com/sharepoint/v3" xsi:nil="true"/>
+  </documentManagement>
+</p:properties>
 </file>
 
-<file path=customXml/itemProps3.xml><?xml version="1.0" encoding="utf-8"?>
+<file path=customXml/itemProps1.xml><?xml version="1.0" encoding="utf-8"?>
 <ds:datastoreItem xmlns:ds="http://schemas.openxmlformats.org/officeDocument/2006/customXml" ds:itemID="{6B7F97AF-C930-4665-81F6-7E76EF9A7F5E}">
   <ds:schemaRefs>
     <ds:schemaRef ds:uri="http://schemas.microsoft.com/office/2006/metadata/contentType"/>
@@ -7583,4 +7562,29 @@
     <ds:schemaRef ds:uri="http://schemas.microsoft.com/internal/obd"/>
   </ds:schemaRefs>
 </ds:datastoreItem>
+</file>
+
+<file path=customXml/itemProps2.xml><?xml version="1.0" encoding="utf-8"?>
+<ds:datastoreItem xmlns:ds="http://schemas.openxmlformats.org/officeDocument/2006/customXml" ds:itemID="{5099E0B7-1240-45C9-A487-398764AEB8C1}">
+  <ds:schemaRefs>
+    <ds:schemaRef ds:uri="http://schemas.microsoft.com/sharepoint/v3/contenttype/forms"/>
+  </ds:schemaRefs>
+</ds:datastoreItem>
+</file>
+
+<file path=customXml/itemProps3.xml><?xml version="1.0" encoding="utf-8"?>
+<ds:datastoreItem xmlns:ds="http://schemas.openxmlformats.org/officeDocument/2006/customXml" ds:itemID="{1C47F3C1-922C-470F-AE9F-3F1BEA58E8F9}">
+  <ds:schemaRefs>
+    <ds:schemaRef ds:uri="http://schemas.microsoft.com/office/2006/metadata/properties"/>
+    <ds:schemaRef ds:uri="http://purl.org/dc/dcmitype/"/>
+    <ds:schemaRef ds:uri="51b3407c-fedb-44f6-9ace-eaeb25a76322"/>
+    <ds:schemaRef ds:uri="http://schemas.microsoft.com/office/2006/documentManagement/types"/>
+    <ds:schemaRef ds:uri="http://www.w3.org/XML/1998/namespace"/>
+    <ds:schemaRef ds:uri="http://schemas.microsoft.com/sharepoint/v3"/>
+    <ds:schemaRef ds:uri="http://purl.org/dc/elements/1.1/"/>
+    <ds:schemaRef ds:uri="http://schemas.microsoft.com/office/infopath/2007/PartnerControls"/>
+    <ds:schemaRef ds:uri="http://schemas.openxmlformats.org/package/2006/metadata/core-properties"/>
+    <ds:schemaRef ds:uri="http://purl.org/dc/terms/"/>
+  </ds:schemaRefs>
+</ds:datastoreItem>
 </file>
--- a/AQAFrameworkRestructure.pptx
+++ b/AQAFrameworkRestructure.pptx
@@ -5,18 +5,21 @@
     <p:sldMasterId id="2147483660" r:id="rId4"/>
   </p:sldMasterIdLst>
   <p:notesMasterIdLst>
-    <p:notesMasterId r:id="rId11"/>
+    <p:notesMasterId r:id="rId14"/>
   </p:notesMasterIdLst>
   <p:handoutMasterIdLst>
-    <p:handoutMasterId r:id="rId12"/>
+    <p:handoutMasterId r:id="rId15"/>
   </p:handoutMasterIdLst>
   <p:sldIdLst>
     <p:sldId id="256" r:id="rId5"/>
-    <p:sldId id="291" r:id="rId6"/>
-    <p:sldId id="293" r:id="rId7"/>
-    <p:sldId id="292" r:id="rId8"/>
+    <p:sldId id="296" r:id="rId6"/>
+    <p:sldId id="291" r:id="rId7"/>
+    <p:sldId id="293" r:id="rId8"/>
     <p:sldId id="294" r:id="rId9"/>
-    <p:sldId id="290" r:id="rId10"/>
+    <p:sldId id="295" r:id="rId10"/>
+    <p:sldId id="292" r:id="rId11"/>
+    <p:sldId id="297" r:id="rId12"/>
+    <p:sldId id="290" r:id="rId13"/>
   </p:sldIdLst>
   <p:sldSz cx="9144000" cy="6858000" type="screen4x3"/>
   <p:notesSz cx="7023100" cy="9309100"/>
@@ -848,7 +851,7 @@
           <a:p>
             <a:fld id="{079D7E0B-0A3E-4BD4-A9A5-68D301D7BA49}" type="slidenum">
               <a:rPr lang="en-US" smtClean="0"/>
-              <a:t>2</a:t>
+              <a:t>3</a:t>
             </a:fld>
             <a:endParaRPr lang="en-US"/>
           </a:p>
@@ -4082,7 +4085,7 @@
           <p:cNvPr id="2" name="Title 1">
             <a:extLst>
               <a:ext uri="{FF2B5EF4-FFF2-40B4-BE49-F238E27FC236}">
-                <a16:creationId xmlns:a16="http://schemas.microsoft.com/office/drawing/2014/main" id="{FB471E44-75B5-44F9-B855-03685ED8DD47}"/>
+                <a16:creationId xmlns:a16="http://schemas.microsoft.com/office/drawing/2014/main" id="{829BEE8B-E270-493A-9335-8195637A962F}"/>
               </a:ext>
             </a:extLst>
           </p:cNvPr>
@@ -4099,16 +4102,8 @@
           <a:lstStyle/>
           <a:p>
             <a:r>
-              <a:rPr lang="en-US" dirty="0"/>
-              <a:t>ESA </a:t>
-            </a:r>
-            <a:r>
-              <a:rPr lang="en-US" dirty="0" err="1"/>
-              <a:t>Catalouges</a:t>
-            </a:r>
-            <a:r>
-              <a:rPr lang="en-US" dirty="0"/>
-              <a:t> image creation</a:t>
+              <a:rPr lang="en-IN" dirty="0"/>
+              <a:t>Execution Flow</a:t>
             </a:r>
           </a:p>
         </p:txBody>
@@ -4118,7 +4113,7 @@
           <p:cNvPr id="4" name="Slide Number Placeholder 3">
             <a:extLst>
               <a:ext uri="{FF2B5EF4-FFF2-40B4-BE49-F238E27FC236}">
-                <a16:creationId xmlns:a16="http://schemas.microsoft.com/office/drawing/2014/main" id="{762CC587-2122-4987-9F8D-0D09A0C040F0}"/>
+                <a16:creationId xmlns:a16="http://schemas.microsoft.com/office/drawing/2014/main" id="{769DABAF-6E2D-4855-B233-8C9C46DC2C1D}"/>
               </a:ext>
             </a:extLst>
           </p:cNvPr>
@@ -4153,10 +4148,10 @@
       </p:sp>
       <p:sp>
         <p:nvSpPr>
-          <p:cNvPr id="5" name="Frame 4">
+          <p:cNvPr id="5" name="Oval 4">
             <a:extLst>
               <a:ext uri="{FF2B5EF4-FFF2-40B4-BE49-F238E27FC236}">
-                <a16:creationId xmlns:a16="http://schemas.microsoft.com/office/drawing/2014/main" id="{7450D9F6-D812-4436-B243-14317D44AC15}"/>
+                <a16:creationId xmlns:a16="http://schemas.microsoft.com/office/drawing/2014/main" id="{9B5311E9-8684-4C3C-AD32-A7A92F050261}"/>
               </a:ext>
             </a:extLst>
           </p:cNvPr>
@@ -4165,10 +4160,10 @@
         </p:nvSpPr>
         <p:spPr bwMode="auto">
           <a:xfrm>
-            <a:off x="835819" y="2725363"/>
-            <a:ext cx="1524000" cy="398838"/>
+            <a:off x="2667000" y="990600"/>
+            <a:ext cx="1066800" cy="457200"/>
           </a:xfrm>
-          <a:prstGeom prst="frame">
+          <a:prstGeom prst="ellipse">
             <a:avLst/>
           </a:prstGeom>
           <a:gradFill rotWithShape="1">
@@ -4222,7 +4217,7 @@
               <a:tabLst/>
             </a:pPr>
             <a:r>
-              <a:rPr kumimoji="0" lang="en-IN" sz="1000" b="0" i="0" u="none" strike="noStrike" cap="none" normalizeH="0" baseline="0" dirty="0">
+              <a:rPr kumimoji="0" lang="en-IN" sz="800" b="0" i="0" u="none" strike="noStrike" cap="none" normalizeH="0" baseline="0" dirty="0">
                 <a:ln>
                   <a:noFill/>
                 </a:ln>
@@ -4232,225 +4227,117 @@
                 <a:effectLst/>
                 <a:latin typeface="Arial" charset="0"/>
               </a:rPr>
-              <a:t>ESA-FP</a:t>
+              <a:t>Jenkins</a:t>
             </a:r>
           </a:p>
         </p:txBody>
       </p:sp>
-      <p:sp>
-        <p:nvSpPr>
-          <p:cNvPr id="8" name="TextBox 7">
+      <p:cxnSp>
+        <p:nvCxnSpPr>
+          <p:cNvPr id="7" name="Straight Arrow Connector 6">
             <a:extLst>
               <a:ext uri="{FF2B5EF4-FFF2-40B4-BE49-F238E27FC236}">
-                <a16:creationId xmlns:a16="http://schemas.microsoft.com/office/drawing/2014/main" id="{9BEEBFF0-3ED8-4E8A-8A91-4F8D19146DFA}"/>
+                <a16:creationId xmlns:a16="http://schemas.microsoft.com/office/drawing/2014/main" id="{10CB4531-F03C-4A41-8149-DC3D5A6D96C5}"/>
               </a:ext>
             </a:extLst>
           </p:cNvPr>
-          <p:cNvSpPr txBox="1"/>
+          <p:cNvCxnSpPr>
+            <a:cxnSpLocks/>
+            <a:endCxn id="10" idx="0"/>
+          </p:cNvCxnSpPr>
           <p:nvPr/>
-        </p:nvSpPr>
-        <p:spPr>
-          <a:xfrm>
-            <a:off x="2509838" y="1016196"/>
-            <a:ext cx="6181725" cy="2954655"/>
+        </p:nvCxnSpPr>
+        <p:spPr bwMode="auto">
+          <a:xfrm flipH="1">
+            <a:off x="2476500" y="1447800"/>
+            <a:ext cx="571500" cy="457200"/>
           </a:xfrm>
-          <a:prstGeom prst="rect">
+          <a:prstGeom prst="straightConnector1">
             <a:avLst/>
           </a:prstGeom>
-          <a:noFill/>
+          <a:gradFill rotWithShape="1">
+            <a:gsLst>
+              <a:gs pos="0">
+                <a:srgbClr val="F0CCB9"/>
+              </a:gs>
+              <a:gs pos="100000">
+                <a:srgbClr val="F0CCB9">
+                  <a:gamma/>
+                  <a:tint val="14510"/>
+                  <a:invGamma/>
+                </a:srgbClr>
+              </a:gs>
+            </a:gsLst>
+            <a:lin ang="5400000" scaled="1"/>
+          </a:gradFill>
+          <a:ln w="9525" cap="flat" cmpd="sng" algn="ctr">
+            <a:solidFill>
+              <a:schemeClr val="accent1"/>
+            </a:solidFill>
+            <a:prstDash val="solid"/>
+            <a:round/>
+            <a:headEnd type="none" w="med" len="med"/>
+            <a:tailEnd type="triangle"/>
+          </a:ln>
+          <a:effectLst/>
         </p:spPr>
-        <p:txBody>
-          <a:bodyPr wrap="square" rtlCol="0">
-            <a:spAutoFit/>
-          </a:bodyPr>
-          <a:lstStyle/>
-          <a:p>
-            <a:r>
-              <a:rPr lang="en-IN" sz="1200" dirty="0">
-                <a:latin typeface="Verdana" panose="020B0604030504040204" pitchFamily="34" charset="0"/>
-                <a:ea typeface="Verdana" panose="020B0604030504040204" pitchFamily="34" charset="0"/>
-              </a:rPr>
-              <a:t>ESA will be created using Ansible. It will include:</a:t>
-            </a:r>
-          </a:p>
-          <a:p>
-            <a:pPr marL="285750" indent="-285750">
-              <a:buFont typeface="Arial" panose="020B0604020202020204" pitchFamily="34" charset="0"/>
-              <a:buChar char="•"/>
-            </a:pPr>
-            <a:r>
-              <a:rPr lang="en-IN" sz="1200" dirty="0">
-                <a:latin typeface="Verdana" panose="020B0604030504040204" pitchFamily="34" charset="0"/>
-                <a:ea typeface="Verdana" panose="020B0604030504040204" pitchFamily="34" charset="0"/>
-              </a:rPr>
-              <a:t>Machine creation</a:t>
-            </a:r>
-          </a:p>
-          <a:p>
-            <a:pPr marL="285750" indent="-285750">
-              <a:buFont typeface="Arial" panose="020B0604020202020204" pitchFamily="34" charset="0"/>
-              <a:buChar char="•"/>
-            </a:pPr>
-            <a:r>
-              <a:rPr lang="en-IN" sz="1200" dirty="0">
-                <a:latin typeface="Verdana" panose="020B0604030504040204" pitchFamily="34" charset="0"/>
-                <a:ea typeface="Verdana" panose="020B0604030504040204" pitchFamily="34" charset="0"/>
-              </a:rPr>
-              <a:t>Patch application</a:t>
-            </a:r>
-          </a:p>
-          <a:p>
-            <a:pPr marL="285750" indent="-285750">
-              <a:buFont typeface="Arial" panose="020B0604020202020204" pitchFamily="34" charset="0"/>
-              <a:buChar char="•"/>
-            </a:pPr>
-            <a:r>
-              <a:rPr lang="en-IN" sz="1200" dirty="0">
-                <a:latin typeface="Verdana" panose="020B0604030504040204" pitchFamily="34" charset="0"/>
-                <a:ea typeface="Verdana" panose="020B0604030504040204" pitchFamily="34" charset="0"/>
-              </a:rPr>
-              <a:t>Python and other required software installation</a:t>
-            </a:r>
-          </a:p>
-          <a:p>
-            <a:endParaRPr lang="en-IN" sz="1200" dirty="0">
-              <a:latin typeface="Verdana" panose="020B0604030504040204" pitchFamily="34" charset="0"/>
-              <a:ea typeface="Verdana" panose="020B0604030504040204" pitchFamily="34" charset="0"/>
-            </a:endParaRPr>
-          </a:p>
-          <a:p>
-            <a:r>
-              <a:rPr lang="en-IN" sz="1200" dirty="0">
-                <a:latin typeface="Verdana" panose="020B0604030504040204" pitchFamily="34" charset="0"/>
-                <a:ea typeface="Verdana" panose="020B0604030504040204" pitchFamily="34" charset="0"/>
-              </a:rPr>
-              <a:t>Following steps will be done by automation</a:t>
-            </a:r>
-          </a:p>
-          <a:p>
-            <a:pPr marL="285750" indent="-285750">
-              <a:buFont typeface="Arial" panose="020B0604020202020204" pitchFamily="34" charset="0"/>
-              <a:buChar char="•"/>
-            </a:pPr>
-            <a:r>
-              <a:rPr lang="en-IN" sz="1200" dirty="0">
-                <a:latin typeface="Verdana" panose="020B0604030504040204" pitchFamily="34" charset="0"/>
-                <a:ea typeface="Verdana" panose="020B0604030504040204" pitchFamily="34" charset="0"/>
-              </a:rPr>
-              <a:t>Data element /roles/user creation </a:t>
-            </a:r>
-          </a:p>
-          <a:p>
-            <a:pPr marL="285750" indent="-285750">
-              <a:buFont typeface="Arial" panose="020B0604020202020204" pitchFamily="34" charset="0"/>
-              <a:buChar char="•"/>
-            </a:pPr>
-            <a:r>
-              <a:rPr lang="en-IN" sz="1200" dirty="0">
-                <a:latin typeface="Verdana" panose="020B0604030504040204" pitchFamily="34" charset="0"/>
-                <a:ea typeface="Verdana" panose="020B0604030504040204" pitchFamily="34" charset="0"/>
-              </a:rPr>
-              <a:t>Policy creation</a:t>
-            </a:r>
-          </a:p>
-          <a:p>
-            <a:r>
-              <a:rPr lang="en-IN" dirty="0"/>
-              <a:t> </a:t>
-            </a:r>
-          </a:p>
-          <a:p>
-            <a:r>
-              <a:rPr lang="en-IN" sz="1200" dirty="0">
-                <a:latin typeface="Verdana" panose="020B0604030504040204" pitchFamily="34" charset="0"/>
-                <a:ea typeface="Verdana" panose="020B0604030504040204" pitchFamily="34" charset="0"/>
-              </a:rPr>
-              <a:t>Note : This will be one time activity </a:t>
-            </a:r>
-          </a:p>
-          <a:p>
-            <a:r>
-              <a:rPr lang="en-IN" sz="1200" dirty="0">
-                <a:latin typeface="Verdana" panose="020B0604030504040204" pitchFamily="34" charset="0"/>
-                <a:ea typeface="Verdana" panose="020B0604030504040204" pitchFamily="34" charset="0"/>
-              </a:rPr>
-              <a:t>          Image will be created in </a:t>
-            </a:r>
-            <a:r>
-              <a:rPr lang="en-IN" sz="1200" dirty="0" err="1">
-                <a:latin typeface="Verdana" panose="020B0604030504040204" pitchFamily="34" charset="0"/>
-                <a:ea typeface="Verdana" panose="020B0604030504040204" pitchFamily="34" charset="0"/>
-              </a:rPr>
-              <a:t>aws</a:t>
-            </a:r>
-            <a:endParaRPr lang="en-IN" sz="1200" dirty="0">
-              <a:latin typeface="Verdana" panose="020B0604030504040204" pitchFamily="34" charset="0"/>
-              <a:ea typeface="Verdana" panose="020B0604030504040204" pitchFamily="34" charset="0"/>
-            </a:endParaRPr>
-          </a:p>
-          <a:p>
-            <a:r>
-              <a:rPr lang="en-IN" sz="1200" dirty="0">
-                <a:latin typeface="Verdana" panose="020B0604030504040204" pitchFamily="34" charset="0"/>
-                <a:ea typeface="Verdana" panose="020B0604030504040204" pitchFamily="34" charset="0"/>
-              </a:rPr>
-              <a:t>          Machine will be created from image for below</a:t>
-            </a:r>
-          </a:p>
-          <a:p>
-            <a:pPr marL="1085850" lvl="2" indent="-171450">
-              <a:buFont typeface="Wingdings" panose="05000000000000000000" pitchFamily="2" charset="2"/>
-              <a:buChar char="Ø"/>
-            </a:pPr>
-            <a:r>
-              <a:rPr lang="en-IN" sz="1200" dirty="0">
-                <a:latin typeface="Verdana" panose="020B0604030504040204" pitchFamily="34" charset="0"/>
-                <a:ea typeface="Verdana" panose="020B0604030504040204" pitchFamily="34" charset="0"/>
-              </a:rPr>
-              <a:t>        </a:t>
-            </a:r>
-            <a:r>
-              <a:rPr lang="en-IN" sz="1000" dirty="0">
-                <a:latin typeface="Verdana" panose="020B0604030504040204" pitchFamily="34" charset="0"/>
-                <a:ea typeface="Verdana" panose="020B0604030504040204" pitchFamily="34" charset="0"/>
-              </a:rPr>
-              <a:t>regression execution by AQA</a:t>
-            </a:r>
-          </a:p>
-          <a:p>
-            <a:pPr marL="1085850" lvl="2" indent="-171450">
-              <a:buFont typeface="Wingdings" panose="05000000000000000000" pitchFamily="2" charset="2"/>
-              <a:buChar char="Ø"/>
-            </a:pPr>
-            <a:r>
-              <a:rPr lang="en-IN" sz="1000" dirty="0">
-                <a:latin typeface="Verdana" panose="020B0604030504040204" pitchFamily="34" charset="0"/>
-                <a:ea typeface="Verdana" panose="020B0604030504040204" pitchFamily="34" charset="0"/>
-              </a:rPr>
-              <a:t>          Certification</a:t>
-            </a:r>
-          </a:p>
-          <a:p>
-            <a:pPr marL="1085850" lvl="2" indent="-171450">
-              <a:buFont typeface="Wingdings" panose="05000000000000000000" pitchFamily="2" charset="2"/>
-              <a:buChar char="Ø"/>
-            </a:pPr>
-            <a:r>
-              <a:rPr lang="en-IN" sz="1000" dirty="0">
-                <a:latin typeface="Verdana" panose="020B0604030504040204" pitchFamily="34" charset="0"/>
-                <a:ea typeface="Verdana" panose="020B0604030504040204" pitchFamily="34" charset="0"/>
-              </a:rPr>
-              <a:t>          CI execution on weekend batch</a:t>
-            </a:r>
-          </a:p>
-        </p:txBody>
-      </p:sp>
+      </p:cxnSp>
+      <p:cxnSp>
+        <p:nvCxnSpPr>
+          <p:cNvPr id="9" name="Straight Arrow Connector 8">
+            <a:extLst>
+              <a:ext uri="{FF2B5EF4-FFF2-40B4-BE49-F238E27FC236}">
+                <a16:creationId xmlns:a16="http://schemas.microsoft.com/office/drawing/2014/main" id="{5F164201-11C3-43A9-BA36-DD25DFBB74F2}"/>
+              </a:ext>
+            </a:extLst>
+          </p:cNvPr>
+          <p:cNvCxnSpPr>
+            <a:cxnSpLocks/>
+            <a:stCxn id="5" idx="4"/>
+          </p:cNvCxnSpPr>
+          <p:nvPr/>
+        </p:nvCxnSpPr>
+        <p:spPr bwMode="auto">
+          <a:xfrm>
+            <a:off x="3200400" y="1447800"/>
+            <a:ext cx="457200" cy="456501"/>
+          </a:xfrm>
+          <a:prstGeom prst="straightConnector1">
+            <a:avLst/>
+          </a:prstGeom>
+          <a:gradFill rotWithShape="1">
+            <a:gsLst>
+              <a:gs pos="0">
+                <a:srgbClr val="F0CCB9"/>
+              </a:gs>
+              <a:gs pos="100000">
+                <a:srgbClr val="F0CCB9">
+                  <a:gamma/>
+                  <a:tint val="14510"/>
+                  <a:invGamma/>
+                </a:srgbClr>
+              </a:gs>
+            </a:gsLst>
+            <a:lin ang="5400000" scaled="1"/>
+          </a:gradFill>
+          <a:ln w="9525" cap="flat" cmpd="sng" algn="ctr">
+            <a:solidFill>
+              <a:schemeClr val="accent1"/>
+            </a:solidFill>
+            <a:prstDash val="solid"/>
+            <a:round/>
+            <a:headEnd type="none" w="med" len="med"/>
+            <a:tailEnd type="triangle"/>
+          </a:ln>
+          <a:effectLst/>
+        </p:spPr>
+      </p:cxnSp>
       <p:sp>
         <p:nvSpPr>
-          <p:cNvPr id="9" name="Frame 8">
+          <p:cNvPr id="10" name="Rectangle 9">
             <a:extLst>
               <a:ext uri="{FF2B5EF4-FFF2-40B4-BE49-F238E27FC236}">
-                <a16:creationId xmlns:a16="http://schemas.microsoft.com/office/drawing/2014/main" id="{63F5EE90-BCF3-4673-90E9-528724A89B6D}"/>
+                <a16:creationId xmlns:a16="http://schemas.microsoft.com/office/drawing/2014/main" id="{E7BDCBC6-D9C6-40C4-AD58-D3D247279D13}"/>
               </a:ext>
             </a:extLst>
           </p:cNvPr>
@@ -4459,10 +4346,10 @@
         </p:nvSpPr>
         <p:spPr bwMode="auto">
           <a:xfrm>
-            <a:off x="835819" y="1640196"/>
-            <a:ext cx="1524000" cy="281583"/>
+            <a:off x="1905000" y="1905000"/>
+            <a:ext cx="1143000" cy="457200"/>
           </a:xfrm>
-          <a:prstGeom prst="frame">
+          <a:prstGeom prst="rect">
             <a:avLst/>
           </a:prstGeom>
           <a:gradFill rotWithShape="1">
@@ -4516,7 +4403,7 @@
               <a:tabLst/>
             </a:pPr>
             <a:r>
-              <a:rPr kumimoji="0" lang="en-IN" sz="1000" b="0" i="0" u="none" strike="noStrike" cap="none" normalizeH="0" baseline="0" dirty="0">
+              <a:rPr kumimoji="0" lang="en-IN" sz="800" b="0" i="0" u="none" strike="noStrike" cap="none" normalizeH="0" baseline="0" dirty="0">
                 <a:ln>
                   <a:noFill/>
                 </a:ln>
@@ -4526,17 +4413,94 @@
                 <a:effectLst/>
                 <a:latin typeface="Arial" charset="0"/>
               </a:rPr>
-              <a:t>ESA-MSSQL</a:t>
-            </a:r>
+              <a:t>Checkout </a:t>
+            </a:r>
+            <a:r>
+              <a:rPr kumimoji="0" lang="en-IN" sz="800" b="0" i="0" u="none" strike="noStrike" cap="none" normalizeH="0" baseline="0" dirty="0" err="1">
+                <a:ln>
+                  <a:noFill/>
+                </a:ln>
+                <a:solidFill>
+                  <a:schemeClr val="tx1"/>
+                </a:solidFill>
+                <a:effectLst/>
+                <a:latin typeface="Arial" charset="0"/>
+              </a:rPr>
+              <a:t>Core+ESA</a:t>
+            </a:r>
+            <a:endParaRPr kumimoji="0" lang="en-IN" sz="800" b="0" i="0" u="none" strike="noStrike" cap="none" normalizeH="0" baseline="0" dirty="0">
+              <a:ln>
+                <a:noFill/>
+              </a:ln>
+              <a:solidFill>
+                <a:schemeClr val="tx1"/>
+              </a:solidFill>
+              <a:effectLst/>
+              <a:latin typeface="Arial" charset="0"/>
+            </a:endParaRPr>
+          </a:p>
+          <a:p>
+            <a:pPr marL="0" marR="0" indent="0" algn="ctr" defTabSz="914400" rtl="0" eaLnBrk="1" fontAlgn="base" latinLnBrk="0" hangingPunct="1">
+              <a:lnSpc>
+                <a:spcPct val="100000"/>
+              </a:lnSpc>
+              <a:spcBef>
+                <a:spcPct val="0"/>
+              </a:spcBef>
+              <a:spcAft>
+                <a:spcPct val="0"/>
+              </a:spcAft>
+              <a:buClrTx/>
+              <a:buSzTx/>
+              <a:buFontTx/>
+              <a:buNone/>
+              <a:tabLst/>
+            </a:pPr>
+            <a:r>
+              <a:rPr kumimoji="0" lang="en-IN" sz="800" b="0" i="0" u="none" strike="noStrike" cap="none" normalizeH="0" baseline="0" dirty="0">
+                <a:ln>
+                  <a:noFill/>
+                </a:ln>
+                <a:solidFill>
+                  <a:schemeClr val="tx1"/>
+                </a:solidFill>
+                <a:effectLst/>
+                <a:latin typeface="Arial" charset="0"/>
+              </a:rPr>
+              <a:t> from </a:t>
+            </a:r>
+            <a:r>
+              <a:rPr kumimoji="0" lang="en-IN" sz="800" b="0" i="0" u="none" strike="noStrike" cap="none" normalizeH="0" baseline="0" dirty="0" err="1">
+                <a:ln>
+                  <a:noFill/>
+                </a:ln>
+                <a:solidFill>
+                  <a:schemeClr val="tx1"/>
+                </a:solidFill>
+                <a:effectLst/>
+                <a:latin typeface="Arial" charset="0"/>
+              </a:rPr>
+              <a:t>gitlab</a:t>
+            </a:r>
+            <a:endParaRPr kumimoji="0" lang="en-IN" sz="800" b="0" i="0" u="none" strike="noStrike" cap="none" normalizeH="0" baseline="0" dirty="0">
+              <a:ln>
+                <a:noFill/>
+              </a:ln>
+              <a:solidFill>
+                <a:schemeClr val="tx1"/>
+              </a:solidFill>
+              <a:effectLst/>
+              <a:latin typeface="Arial" charset="0"/>
+            </a:endParaRPr>
           </a:p>
         </p:txBody>
       </p:sp>
       <p:sp>
         <p:nvSpPr>
-          <p:cNvPr id="10" name="Frame 9">
+          <p:cNvPr id="13" name="Rectangle 12">
             <a:extLst>
               <a:ext uri="{FF2B5EF4-FFF2-40B4-BE49-F238E27FC236}">
-                <a16:creationId xmlns:a16="http://schemas.microsoft.com/office/drawing/2014/main" id="{04BF558D-570A-4B40-9988-F2FDC6C5F8E4}"/>
+                <a16:creationId xmlns:a16="http://schemas.microsoft.com/office/drawing/2014/main" id="{A75528BB-5FA9-4AFE-A3AA-CFD13BAB7FD8}"/>
               </a:ext>
             </a:extLst>
           </p:cNvPr>
@@ -4545,10 +4509,10 @@
         </p:nvSpPr>
         <p:spPr bwMode="auto">
           <a:xfrm>
-            <a:off x="842963" y="2303220"/>
-            <a:ext cx="1516856" cy="287580"/>
+            <a:off x="3467100" y="1905699"/>
+            <a:ext cx="1257300" cy="455103"/>
           </a:xfrm>
-          <a:prstGeom prst="frame">
+          <a:prstGeom prst="rect">
             <a:avLst/>
           </a:prstGeom>
           <a:gradFill rotWithShape="1">
@@ -4602,7 +4566,7 @@
               <a:tabLst/>
             </a:pPr>
             <a:r>
-              <a:rPr kumimoji="0" lang="en-IN" sz="1000" b="0" i="0" u="none" strike="noStrike" cap="none" normalizeH="0" baseline="0" dirty="0">
+              <a:rPr kumimoji="0" lang="en-IN" sz="800" b="0" i="0" u="none" strike="noStrike" cap="none" normalizeH="0" baseline="0" dirty="0">
                 <a:ln>
                   <a:noFill/>
                 </a:ln>
@@ -4612,17 +4576,167 @@
                 <a:effectLst/>
                 <a:latin typeface="Arial" charset="0"/>
               </a:rPr>
-              <a:t>ESA-GP</a:t>
-            </a:r>
+              <a:t>Checkout Protector module </a:t>
+            </a:r>
+          </a:p>
+          <a:p>
+            <a:pPr marL="0" marR="0" indent="0" algn="ctr" defTabSz="914400" rtl="0" eaLnBrk="1" fontAlgn="base" latinLnBrk="0" hangingPunct="1">
+              <a:lnSpc>
+                <a:spcPct val="100000"/>
+              </a:lnSpc>
+              <a:spcBef>
+                <a:spcPct val="0"/>
+              </a:spcBef>
+              <a:spcAft>
+                <a:spcPct val="0"/>
+              </a:spcAft>
+              <a:buClrTx/>
+              <a:buSzTx/>
+              <a:buFontTx/>
+              <a:buNone/>
+              <a:tabLst/>
+            </a:pPr>
+            <a:r>
+              <a:rPr kumimoji="0" lang="en-IN" sz="800" b="0" i="0" u="none" strike="noStrike" cap="none" normalizeH="0" baseline="0" dirty="0">
+                <a:ln>
+                  <a:noFill/>
+                </a:ln>
+                <a:solidFill>
+                  <a:schemeClr val="tx1"/>
+                </a:solidFill>
+                <a:effectLst/>
+                <a:latin typeface="Arial" charset="0"/>
+              </a:rPr>
+              <a:t>from </a:t>
+            </a:r>
+            <a:r>
+              <a:rPr kumimoji="0" lang="en-IN" sz="800" b="0" i="0" u="none" strike="noStrike" cap="none" normalizeH="0" baseline="0" dirty="0" err="1">
+                <a:ln>
+                  <a:noFill/>
+                </a:ln>
+                <a:solidFill>
+                  <a:schemeClr val="tx1"/>
+                </a:solidFill>
+                <a:effectLst/>
+                <a:latin typeface="Arial" charset="0"/>
+              </a:rPr>
+              <a:t>gitlab</a:t>
+            </a:r>
+            <a:endParaRPr kumimoji="0" lang="en-IN" sz="800" b="0" i="0" u="none" strike="noStrike" cap="none" normalizeH="0" baseline="0" dirty="0">
+              <a:ln>
+                <a:noFill/>
+              </a:ln>
+              <a:solidFill>
+                <a:schemeClr val="tx1"/>
+              </a:solidFill>
+              <a:effectLst/>
+              <a:latin typeface="Arial" charset="0"/>
+            </a:endParaRPr>
           </a:p>
         </p:txBody>
       </p:sp>
+      <p:cxnSp>
+        <p:nvCxnSpPr>
+          <p:cNvPr id="15" name="Straight Arrow Connector 14">
+            <a:extLst>
+              <a:ext uri="{FF2B5EF4-FFF2-40B4-BE49-F238E27FC236}">
+                <a16:creationId xmlns:a16="http://schemas.microsoft.com/office/drawing/2014/main" id="{74C7538A-242B-4A27-A2C2-15616AA521D7}"/>
+              </a:ext>
+            </a:extLst>
+          </p:cNvPr>
+          <p:cNvCxnSpPr>
+            <a:stCxn id="10" idx="2"/>
+          </p:cNvCxnSpPr>
+          <p:nvPr/>
+        </p:nvCxnSpPr>
+        <p:spPr bwMode="auto">
+          <a:xfrm>
+            <a:off x="2476500" y="2362200"/>
+            <a:ext cx="647700" cy="457200"/>
+          </a:xfrm>
+          <a:prstGeom prst="straightConnector1">
+            <a:avLst/>
+          </a:prstGeom>
+          <a:gradFill rotWithShape="1">
+            <a:gsLst>
+              <a:gs pos="0">
+                <a:srgbClr val="F0CCB9"/>
+              </a:gs>
+              <a:gs pos="100000">
+                <a:srgbClr val="F0CCB9">
+                  <a:gamma/>
+                  <a:tint val="14510"/>
+                  <a:invGamma/>
+                </a:srgbClr>
+              </a:gs>
+            </a:gsLst>
+            <a:lin ang="5400000" scaled="1"/>
+          </a:gradFill>
+          <a:ln w="9525" cap="flat" cmpd="sng" algn="ctr">
+            <a:solidFill>
+              <a:schemeClr val="accent1"/>
+            </a:solidFill>
+            <a:prstDash val="solid"/>
+            <a:round/>
+            <a:headEnd type="none" w="med" len="med"/>
+            <a:tailEnd type="triangle"/>
+          </a:ln>
+          <a:effectLst/>
+        </p:spPr>
+      </p:cxnSp>
+      <p:cxnSp>
+        <p:nvCxnSpPr>
+          <p:cNvPr id="17" name="Straight Arrow Connector 16">
+            <a:extLst>
+              <a:ext uri="{FF2B5EF4-FFF2-40B4-BE49-F238E27FC236}">
+                <a16:creationId xmlns:a16="http://schemas.microsoft.com/office/drawing/2014/main" id="{6BFDC37E-FDC8-4737-AE06-995E8B142BC8}"/>
+              </a:ext>
+            </a:extLst>
+          </p:cNvPr>
+          <p:cNvCxnSpPr/>
+          <p:nvPr/>
+        </p:nvCxnSpPr>
+        <p:spPr bwMode="auto">
+          <a:xfrm flipH="1">
+            <a:off x="3124200" y="2362200"/>
+            <a:ext cx="762000" cy="457200"/>
+          </a:xfrm>
+          <a:prstGeom prst="straightConnector1">
+            <a:avLst/>
+          </a:prstGeom>
+          <a:gradFill rotWithShape="1">
+            <a:gsLst>
+              <a:gs pos="0">
+                <a:srgbClr val="F0CCB9"/>
+              </a:gs>
+              <a:gs pos="100000">
+                <a:srgbClr val="F0CCB9">
+                  <a:gamma/>
+                  <a:tint val="14510"/>
+                  <a:invGamma/>
+                </a:srgbClr>
+              </a:gs>
+            </a:gsLst>
+            <a:lin ang="5400000" scaled="1"/>
+          </a:gradFill>
+          <a:ln w="9525" cap="flat" cmpd="sng" algn="ctr">
+            <a:solidFill>
+              <a:schemeClr val="accent1"/>
+            </a:solidFill>
+            <a:prstDash val="solid"/>
+            <a:round/>
+            <a:headEnd type="none" w="med" len="med"/>
+            <a:tailEnd type="triangle"/>
+          </a:ln>
+          <a:effectLst/>
+        </p:spPr>
+      </p:cxnSp>
       <p:sp>
         <p:nvSpPr>
-          <p:cNvPr id="11" name="Frame 10">
+          <p:cNvPr id="18" name="Oval 17">
             <a:extLst>
               <a:ext uri="{FF2B5EF4-FFF2-40B4-BE49-F238E27FC236}">
-                <a16:creationId xmlns:a16="http://schemas.microsoft.com/office/drawing/2014/main" id="{F0FA4EED-78D1-4B5A-A6BB-D45CD3DBFE35}"/>
+                <a16:creationId xmlns:a16="http://schemas.microsoft.com/office/drawing/2014/main" id="{482D8CC3-3C7C-4823-8545-5DD75A8C494E}"/>
               </a:ext>
             </a:extLst>
           </p:cNvPr>
@@ -4631,10 +4745,10 @@
         </p:nvSpPr>
         <p:spPr bwMode="auto">
           <a:xfrm>
-            <a:off x="828675" y="872726"/>
-            <a:ext cx="1524000" cy="281582"/>
+            <a:off x="2705100" y="2819400"/>
+            <a:ext cx="952500" cy="381000"/>
           </a:xfrm>
-          <a:prstGeom prst="frame">
+          <a:prstGeom prst="ellipse">
             <a:avLst/>
           </a:prstGeom>
           <a:gradFill rotWithShape="1">
@@ -4688,7 +4802,7 @@
               <a:tabLst/>
             </a:pPr>
             <a:r>
-              <a:rPr kumimoji="0" lang="en-IN" sz="1000" b="0" i="0" u="none" strike="noStrike" cap="none" normalizeH="0" baseline="0" dirty="0">
+              <a:rPr kumimoji="0" lang="en-IN" sz="800" b="0" i="0" u="none" strike="noStrike" cap="none" normalizeH="0" baseline="0" dirty="0">
                 <a:ln>
                   <a:noFill/>
                 </a:ln>
@@ -4698,17 +4812,67 @@
                 <a:effectLst/>
                 <a:latin typeface="Arial" charset="0"/>
               </a:rPr>
-              <a:t>ESA-TD</a:t>
+              <a:t>Build</a:t>
             </a:r>
           </a:p>
         </p:txBody>
       </p:sp>
+      <p:cxnSp>
+        <p:nvCxnSpPr>
+          <p:cNvPr id="21" name="Straight Arrow Connector 20">
+            <a:extLst>
+              <a:ext uri="{FF2B5EF4-FFF2-40B4-BE49-F238E27FC236}">
+                <a16:creationId xmlns:a16="http://schemas.microsoft.com/office/drawing/2014/main" id="{9E062236-E299-472C-A3D8-333634491308}"/>
+              </a:ext>
+            </a:extLst>
+          </p:cNvPr>
+          <p:cNvCxnSpPr>
+            <a:cxnSpLocks/>
+            <a:stCxn id="18" idx="4"/>
+          </p:cNvCxnSpPr>
+          <p:nvPr/>
+        </p:nvCxnSpPr>
+        <p:spPr bwMode="auto">
+          <a:xfrm>
+            <a:off x="3181350" y="3200400"/>
+            <a:ext cx="0" cy="228600"/>
+          </a:xfrm>
+          <a:prstGeom prst="straightConnector1">
+            <a:avLst/>
+          </a:prstGeom>
+          <a:gradFill rotWithShape="1">
+            <a:gsLst>
+              <a:gs pos="0">
+                <a:srgbClr val="F0CCB9"/>
+              </a:gs>
+              <a:gs pos="100000">
+                <a:srgbClr val="F0CCB9">
+                  <a:gamma/>
+                  <a:tint val="14510"/>
+                  <a:invGamma/>
+                </a:srgbClr>
+              </a:gs>
+            </a:gsLst>
+            <a:lin ang="5400000" scaled="1"/>
+          </a:gradFill>
+          <a:ln w="9525" cap="flat" cmpd="sng" algn="ctr">
+            <a:solidFill>
+              <a:schemeClr val="accent1"/>
+            </a:solidFill>
+            <a:prstDash val="solid"/>
+            <a:round/>
+            <a:headEnd type="none" w="med" len="med"/>
+            <a:tailEnd type="triangle"/>
+          </a:ln>
+          <a:effectLst/>
+        </p:spPr>
+      </p:cxnSp>
       <p:sp>
         <p:nvSpPr>
-          <p:cNvPr id="12" name="Frame 11">
+          <p:cNvPr id="23" name="Rectangle 22">
             <a:extLst>
               <a:ext uri="{FF2B5EF4-FFF2-40B4-BE49-F238E27FC236}">
-                <a16:creationId xmlns:a16="http://schemas.microsoft.com/office/drawing/2014/main" id="{5DC790DC-AB7D-44E0-8B55-A9019B76865D}"/>
+                <a16:creationId xmlns:a16="http://schemas.microsoft.com/office/drawing/2014/main" id="{D0E0AB4A-3D03-46C5-A265-84CF3FC93787}"/>
               </a:ext>
             </a:extLst>
           </p:cNvPr>
@@ -4717,10 +4881,10 @@
         </p:nvSpPr>
         <p:spPr bwMode="auto">
           <a:xfrm>
-            <a:off x="835819" y="3232187"/>
-            <a:ext cx="1524000" cy="339410"/>
+            <a:off x="1905000" y="3429000"/>
+            <a:ext cx="2705100" cy="227901"/>
           </a:xfrm>
-          <a:prstGeom prst="frame">
+          <a:prstGeom prst="rect">
             <a:avLst/>
           </a:prstGeom>
           <a:gradFill rotWithShape="1">
@@ -4784,17 +4948,66 @@
                 <a:effectLst/>
                 <a:latin typeface="Arial" charset="0"/>
               </a:rPr>
-              <a:t>ESA-APJAVA</a:t>
+              <a:t>Ansible for orchestration and Installation</a:t>
             </a:r>
           </a:p>
         </p:txBody>
       </p:sp>
+      <p:cxnSp>
+        <p:nvCxnSpPr>
+          <p:cNvPr id="25" name="Straight Arrow Connector 24">
+            <a:extLst>
+              <a:ext uri="{FF2B5EF4-FFF2-40B4-BE49-F238E27FC236}">
+                <a16:creationId xmlns:a16="http://schemas.microsoft.com/office/drawing/2014/main" id="{64EB290F-58F0-4EF8-B518-F47744207EAC}"/>
+              </a:ext>
+            </a:extLst>
+          </p:cNvPr>
+          <p:cNvCxnSpPr>
+            <a:cxnSpLocks/>
+          </p:cNvCxnSpPr>
+          <p:nvPr/>
+        </p:nvCxnSpPr>
+        <p:spPr bwMode="auto">
+          <a:xfrm>
+            <a:off x="3190875" y="3656901"/>
+            <a:ext cx="19050" cy="305499"/>
+          </a:xfrm>
+          <a:prstGeom prst="straightConnector1">
+            <a:avLst/>
+          </a:prstGeom>
+          <a:gradFill rotWithShape="1">
+            <a:gsLst>
+              <a:gs pos="0">
+                <a:srgbClr val="F0CCB9"/>
+              </a:gs>
+              <a:gs pos="100000">
+                <a:srgbClr val="F0CCB9">
+                  <a:gamma/>
+                  <a:tint val="14510"/>
+                  <a:invGamma/>
+                </a:srgbClr>
+              </a:gs>
+            </a:gsLst>
+            <a:lin ang="5400000" scaled="1"/>
+          </a:gradFill>
+          <a:ln w="9525" cap="flat" cmpd="sng" algn="ctr">
+            <a:solidFill>
+              <a:schemeClr val="accent1"/>
+            </a:solidFill>
+            <a:prstDash val="solid"/>
+            <a:round/>
+            <a:headEnd type="none" w="med" len="med"/>
+            <a:tailEnd type="triangle"/>
+          </a:ln>
+          <a:effectLst/>
+        </p:spPr>
+      </p:cxnSp>
       <p:sp>
         <p:nvSpPr>
-          <p:cNvPr id="13" name="Frame 12">
+          <p:cNvPr id="26" name="Rectangle 25">
             <a:extLst>
               <a:ext uri="{FF2B5EF4-FFF2-40B4-BE49-F238E27FC236}">
-                <a16:creationId xmlns:a16="http://schemas.microsoft.com/office/drawing/2014/main" id="{1FDB74A7-A121-4F9E-89F2-753F6C80BD8E}"/>
+                <a16:creationId xmlns:a16="http://schemas.microsoft.com/office/drawing/2014/main" id="{5FDDD93C-89DF-4664-8C3A-63F40E1CCD7D}"/>
               </a:ext>
             </a:extLst>
           </p:cNvPr>
@@ -4803,10 +5016,10 @@
         </p:nvSpPr>
         <p:spPr bwMode="auto">
           <a:xfrm>
-            <a:off x="835819" y="1978871"/>
-            <a:ext cx="1524000" cy="244476"/>
+            <a:off x="1905000" y="4571650"/>
+            <a:ext cx="2705100" cy="304101"/>
           </a:xfrm>
-          <a:prstGeom prst="frame">
+          <a:prstGeom prst="rect">
             <a:avLst/>
           </a:prstGeom>
           <a:gradFill rotWithShape="1">
@@ -4860,7 +5073,7 @@
               <a:tabLst/>
             </a:pPr>
             <a:r>
-              <a:rPr kumimoji="0" lang="en-IN" sz="1000" b="0" i="0" u="none" strike="noStrike" cap="none" normalizeH="0" baseline="0" dirty="0">
+              <a:rPr kumimoji="0" lang="en-IN" sz="900" b="0" i="0" u="none" strike="noStrike" cap="none" normalizeH="0" baseline="0" dirty="0">
                 <a:ln>
                   <a:noFill/>
                 </a:ln>
@@ -4870,17 +5083,66 @@
                 <a:effectLst/>
                 <a:latin typeface="Arial" charset="0"/>
               </a:rPr>
-              <a:t>ESA-DB2</a:t>
+              <a:t>TestNG for parallel Execution</a:t>
             </a:r>
           </a:p>
         </p:txBody>
       </p:sp>
+      <p:cxnSp>
+        <p:nvCxnSpPr>
+          <p:cNvPr id="28" name="Straight Arrow Connector 27">
+            <a:extLst>
+              <a:ext uri="{FF2B5EF4-FFF2-40B4-BE49-F238E27FC236}">
+                <a16:creationId xmlns:a16="http://schemas.microsoft.com/office/drawing/2014/main" id="{912F7BA0-E321-45D8-8C97-27AE4ADE18A0}"/>
+              </a:ext>
+            </a:extLst>
+          </p:cNvPr>
+          <p:cNvCxnSpPr>
+            <a:cxnSpLocks/>
+          </p:cNvCxnSpPr>
+          <p:nvPr/>
+        </p:nvCxnSpPr>
+        <p:spPr bwMode="auto">
+          <a:xfrm>
+            <a:off x="3257550" y="4875751"/>
+            <a:ext cx="0" cy="229299"/>
+          </a:xfrm>
+          <a:prstGeom prst="straightConnector1">
+            <a:avLst/>
+          </a:prstGeom>
+          <a:gradFill rotWithShape="1">
+            <a:gsLst>
+              <a:gs pos="0">
+                <a:srgbClr val="F0CCB9"/>
+              </a:gs>
+              <a:gs pos="100000">
+                <a:srgbClr val="F0CCB9">
+                  <a:gamma/>
+                  <a:tint val="14510"/>
+                  <a:invGamma/>
+                </a:srgbClr>
+              </a:gs>
+            </a:gsLst>
+            <a:lin ang="5400000" scaled="1"/>
+          </a:gradFill>
+          <a:ln w="9525" cap="flat" cmpd="sng" algn="ctr">
+            <a:solidFill>
+              <a:schemeClr val="accent1"/>
+            </a:solidFill>
+            <a:prstDash val="solid"/>
+            <a:round/>
+            <a:headEnd type="none" w="med" len="med"/>
+            <a:tailEnd type="triangle"/>
+          </a:ln>
+          <a:effectLst/>
+        </p:spPr>
+      </p:cxnSp>
       <p:sp>
         <p:nvSpPr>
-          <p:cNvPr id="14" name="Frame 13">
+          <p:cNvPr id="30" name="Rectangle 29">
             <a:extLst>
               <a:ext uri="{FF2B5EF4-FFF2-40B4-BE49-F238E27FC236}">
-                <a16:creationId xmlns:a16="http://schemas.microsoft.com/office/drawing/2014/main" id="{12F22214-3071-494C-B1CD-18B37E9E8A39}"/>
+                <a16:creationId xmlns:a16="http://schemas.microsoft.com/office/drawing/2014/main" id="{FE7E648E-0B85-413C-AFB1-433992242E74}"/>
               </a:ext>
             </a:extLst>
           </p:cNvPr>
@@ -4889,10 +5151,10 @@
         </p:nvSpPr>
         <p:spPr bwMode="auto">
           <a:xfrm>
-            <a:off x="828675" y="1263036"/>
-            <a:ext cx="1524000" cy="281583"/>
+            <a:off x="1905000" y="5105050"/>
+            <a:ext cx="2819400" cy="456501"/>
           </a:xfrm>
-          <a:prstGeom prst="frame">
+          <a:prstGeom prst="rect">
             <a:avLst/>
           </a:prstGeom>
           <a:gradFill rotWithShape="1">
@@ -4946,7 +5208,7 @@
               <a:tabLst/>
             </a:pPr>
             <a:r>
-              <a:rPr kumimoji="0" lang="en-IN" sz="1000" b="0" i="0" u="none" strike="noStrike" cap="none" normalizeH="0" baseline="0" dirty="0">
+              <a:rPr kumimoji="0" lang="en-IN" sz="800" b="0" i="0" u="none" strike="noStrike" cap="none" normalizeH="0" baseline="0" dirty="0">
                 <a:ln>
                   <a:noFill/>
                 </a:ln>
@@ -4956,17 +5218,160 @@
                 <a:effectLst/>
                 <a:latin typeface="Arial" charset="0"/>
               </a:rPr>
-              <a:t>ESA-Oracle</a:t>
+              <a:t>Extend reporting /log4j </a:t>
+            </a:r>
+          </a:p>
+          <a:p>
+            <a:pPr marL="0" marR="0" indent="0" algn="ctr" defTabSz="914400" rtl="0" eaLnBrk="1" fontAlgn="base" latinLnBrk="0" hangingPunct="1">
+              <a:lnSpc>
+                <a:spcPct val="100000"/>
+              </a:lnSpc>
+              <a:spcBef>
+                <a:spcPct val="0"/>
+              </a:spcBef>
+              <a:spcAft>
+                <a:spcPct val="0"/>
+              </a:spcAft>
+              <a:buClrTx/>
+              <a:buSzTx/>
+              <a:buFontTx/>
+              <a:buNone/>
+              <a:tabLst/>
+            </a:pPr>
+            <a:r>
+              <a:rPr lang="en-IN" sz="800" dirty="0">
+                <a:latin typeface="Arial" charset="0"/>
+              </a:rPr>
+              <a:t>Or</a:t>
+            </a:r>
+          </a:p>
+          <a:p>
+            <a:pPr marL="0" marR="0" indent="0" algn="ctr" defTabSz="914400" rtl="0" eaLnBrk="1" fontAlgn="base" latinLnBrk="0" hangingPunct="1">
+              <a:lnSpc>
+                <a:spcPct val="100000"/>
+              </a:lnSpc>
+              <a:spcBef>
+                <a:spcPct val="0"/>
+              </a:spcBef>
+              <a:spcAft>
+                <a:spcPct val="0"/>
+              </a:spcAft>
+              <a:buClrTx/>
+              <a:buSzTx/>
+              <a:buFontTx/>
+              <a:buNone/>
+              <a:tabLst/>
+            </a:pPr>
+            <a:r>
+              <a:rPr kumimoji="0" lang="en-IN" sz="800" b="0" i="0" u="none" strike="noStrike" cap="none" normalizeH="0" baseline="0" dirty="0" err="1">
+                <a:ln>
+                  <a:noFill/>
+                </a:ln>
+                <a:solidFill>
+                  <a:schemeClr val="tx1"/>
+                </a:solidFill>
+                <a:effectLst/>
+                <a:latin typeface="Arial" charset="0"/>
+              </a:rPr>
+              <a:t>Difido</a:t>
+            </a:r>
+            <a:r>
+              <a:rPr kumimoji="0" lang="en-IN" sz="800" b="0" i="0" u="none" strike="noStrike" cap="none" normalizeH="0" baseline="0" dirty="0">
+                <a:ln>
+                  <a:noFill/>
+                </a:ln>
+                <a:solidFill>
+                  <a:schemeClr val="tx1"/>
+                </a:solidFill>
+                <a:effectLst/>
+                <a:latin typeface="Arial" charset="0"/>
+              </a:rPr>
+              <a:t> reporting (existing </a:t>
+            </a:r>
+            <a:r>
+              <a:rPr kumimoji="0" lang="en-IN" sz="800" b="0" i="0" u="none" strike="noStrike" cap="none" normalizeH="0" baseline="0" dirty="0" err="1">
+                <a:ln>
+                  <a:noFill/>
+                </a:ln>
+                <a:solidFill>
+                  <a:schemeClr val="tx1"/>
+                </a:solidFill>
+                <a:effectLst/>
+                <a:latin typeface="Arial" charset="0"/>
+              </a:rPr>
+              <a:t>Jsystem</a:t>
+            </a:r>
+            <a:r>
+              <a:rPr kumimoji="0" lang="en-IN" sz="800" b="0" i="0" u="none" strike="noStrike" cap="none" normalizeH="0" baseline="0" dirty="0">
+                <a:ln>
+                  <a:noFill/>
+                </a:ln>
+                <a:solidFill>
+                  <a:schemeClr val="tx1"/>
+                </a:solidFill>
+                <a:effectLst/>
+                <a:latin typeface="Arial" charset="0"/>
+              </a:rPr>
+              <a:t> html report)</a:t>
             </a:r>
           </a:p>
         </p:txBody>
       </p:sp>
+      <p:cxnSp>
+        <p:nvCxnSpPr>
+          <p:cNvPr id="32" name="Straight Arrow Connector 31">
+            <a:extLst>
+              <a:ext uri="{FF2B5EF4-FFF2-40B4-BE49-F238E27FC236}">
+                <a16:creationId xmlns:a16="http://schemas.microsoft.com/office/drawing/2014/main" id="{D9B4C938-FD69-432F-B19A-B48FDD0711D4}"/>
+              </a:ext>
+            </a:extLst>
+          </p:cNvPr>
+          <p:cNvCxnSpPr>
+            <a:cxnSpLocks/>
+          </p:cNvCxnSpPr>
+          <p:nvPr/>
+        </p:nvCxnSpPr>
+        <p:spPr bwMode="auto">
+          <a:xfrm>
+            <a:off x="3314700" y="5561551"/>
+            <a:ext cx="0" cy="229299"/>
+          </a:xfrm>
+          <a:prstGeom prst="straightConnector1">
+            <a:avLst/>
+          </a:prstGeom>
+          <a:gradFill rotWithShape="1">
+            <a:gsLst>
+              <a:gs pos="0">
+                <a:srgbClr val="F0CCB9"/>
+              </a:gs>
+              <a:gs pos="100000">
+                <a:srgbClr val="F0CCB9">
+                  <a:gamma/>
+                  <a:tint val="14510"/>
+                  <a:invGamma/>
+                </a:srgbClr>
+              </a:gs>
+            </a:gsLst>
+            <a:lin ang="5400000" scaled="1"/>
+          </a:gradFill>
+          <a:ln w="9525" cap="flat" cmpd="sng" algn="ctr">
+            <a:solidFill>
+              <a:schemeClr val="accent1"/>
+            </a:solidFill>
+            <a:prstDash val="solid"/>
+            <a:round/>
+            <a:headEnd type="none" w="med" len="med"/>
+            <a:tailEnd type="triangle"/>
+          </a:ln>
+          <a:effectLst/>
+        </p:spPr>
+      </p:cxnSp>
       <p:sp>
         <p:nvSpPr>
-          <p:cNvPr id="15" name="Frame 14">
+          <p:cNvPr id="35" name="Rectangle 34">
             <a:extLst>
               <a:ext uri="{FF2B5EF4-FFF2-40B4-BE49-F238E27FC236}">
-                <a16:creationId xmlns:a16="http://schemas.microsoft.com/office/drawing/2014/main" id="{00FCA9CD-5C09-4E22-883A-BA2A97964113}"/>
+                <a16:creationId xmlns:a16="http://schemas.microsoft.com/office/drawing/2014/main" id="{355A3C57-DFEE-4C77-9C17-F01881A80531}"/>
               </a:ext>
             </a:extLst>
           </p:cNvPr>
@@ -4975,10 +5380,10 @@
         </p:nvSpPr>
         <p:spPr bwMode="auto">
           <a:xfrm>
-            <a:off x="842963" y="4126487"/>
-            <a:ext cx="1524000" cy="339410"/>
+            <a:off x="1905000" y="5790850"/>
+            <a:ext cx="2819399" cy="227202"/>
           </a:xfrm>
-          <a:prstGeom prst="frame">
+          <a:prstGeom prst="rect">
             <a:avLst/>
           </a:prstGeom>
           <a:gradFill rotWithShape="1">
@@ -5042,10 +5447,10 @@
                 <a:effectLst/>
                 <a:latin typeface="Arial" charset="0"/>
               </a:rPr>
-              <a:t>ESA-</a:t>
-            </a:r>
-            <a:r>
-              <a:rPr kumimoji="0" lang="en-IN" sz="800" b="0" i="0" u="none" strike="noStrike" cap="none" normalizeH="0" baseline="0" dirty="0" err="1">
+              <a:t>Destroy the machines and Email reports</a:t>
+            </a:r>
+            <a:r>
+              <a:rPr kumimoji="0" lang="en-IN" sz="1800" b="0" i="0" u="none" strike="noStrike" cap="none" normalizeH="0" baseline="0" dirty="0">
                 <a:ln>
                   <a:noFill/>
                 </a:ln>
@@ -5055,27 +5460,17 @@
                 <a:effectLst/>
                 <a:latin typeface="Arial" charset="0"/>
               </a:rPr>
-              <a:t>APPython</a:t>
-            </a:r>
-            <a:endParaRPr kumimoji="0" lang="en-IN" sz="800" b="0" i="0" u="none" strike="noStrike" cap="none" normalizeH="0" baseline="0" dirty="0">
-              <a:ln>
-                <a:noFill/>
-              </a:ln>
-              <a:solidFill>
-                <a:schemeClr val="tx1"/>
-              </a:solidFill>
-              <a:effectLst/>
-              <a:latin typeface="Arial" charset="0"/>
-            </a:endParaRPr>
+              <a:t> </a:t>
+            </a:r>
           </a:p>
         </p:txBody>
       </p:sp>
       <p:sp>
         <p:nvSpPr>
-          <p:cNvPr id="16" name="Frame 15">
+          <p:cNvPr id="38" name="Rectangle 37">
             <a:extLst>
               <a:ext uri="{FF2B5EF4-FFF2-40B4-BE49-F238E27FC236}">
-                <a16:creationId xmlns:a16="http://schemas.microsoft.com/office/drawing/2014/main" id="{9F21D89E-EF7E-49C8-864A-BC0CED0C549C}"/>
+                <a16:creationId xmlns:a16="http://schemas.microsoft.com/office/drawing/2014/main" id="{263527A1-E968-4CAF-90E2-ACEE29F8E736}"/>
               </a:ext>
             </a:extLst>
           </p:cNvPr>
@@ -5084,10 +5479,10 @@
         </p:nvSpPr>
         <p:spPr bwMode="auto">
           <a:xfrm>
-            <a:off x="842963" y="3662278"/>
-            <a:ext cx="1524000" cy="339410"/>
+            <a:off x="1905000" y="3962400"/>
+            <a:ext cx="2705100" cy="227901"/>
           </a:xfrm>
-          <a:prstGeom prst="frame">
+          <a:prstGeom prst="rect">
             <a:avLst/>
           </a:prstGeom>
           <a:gradFill rotWithShape="1">
@@ -5141,7 +5536,7 @@
               <a:tabLst/>
             </a:pPr>
             <a:r>
-              <a:rPr kumimoji="0" lang="en-IN" sz="800" b="0" i="0" u="none" strike="noStrike" cap="none" normalizeH="0" baseline="0" dirty="0">
+              <a:rPr kumimoji="0" lang="en-IN" sz="1000" b="0" i="0" u="none" strike="noStrike" cap="none" normalizeH="0" baseline="0" dirty="0">
                 <a:ln>
                   <a:noFill/>
                 </a:ln>
@@ -5151,29 +5546,32 @@
                 <a:effectLst/>
                 <a:latin typeface="Arial" charset="0"/>
               </a:rPr>
-              <a:t>ESA-APC</a:t>
+              <a:t>Docker for containerize (as per no of policy)</a:t>
             </a:r>
           </a:p>
         </p:txBody>
       </p:sp>
-      <p:sp>
-        <p:nvSpPr>
-          <p:cNvPr id="17" name="Frame 16">
+      <p:cxnSp>
+        <p:nvCxnSpPr>
+          <p:cNvPr id="40" name="Straight Arrow Connector 39">
             <a:extLst>
               <a:ext uri="{FF2B5EF4-FFF2-40B4-BE49-F238E27FC236}">
-                <a16:creationId xmlns:a16="http://schemas.microsoft.com/office/drawing/2014/main" id="{D66D1093-4B97-4C51-A149-6092CB5E152F}"/>
+                <a16:creationId xmlns:a16="http://schemas.microsoft.com/office/drawing/2014/main" id="{42BD0D18-33CA-446D-AAFB-1FD4414CC7FB}"/>
               </a:ext>
             </a:extLst>
           </p:cNvPr>
-          <p:cNvSpPr/>
+          <p:cNvCxnSpPr>
+            <a:stCxn id="38" idx="2"/>
+            <a:endCxn id="26" idx="0"/>
+          </p:cNvCxnSpPr>
           <p:nvPr/>
-        </p:nvSpPr>
+        </p:nvCxnSpPr>
         <p:spPr bwMode="auto">
           <a:xfrm>
-            <a:off x="828675" y="4638946"/>
-            <a:ext cx="1524000" cy="339410"/>
+            <a:off x="3257550" y="4190301"/>
+            <a:ext cx="0" cy="381349"/>
           </a:xfrm>
-          <a:prstGeom prst="frame">
+          <a:prstGeom prst="straightConnector1">
             <a:avLst/>
           </a:prstGeom>
           <a:gradFill rotWithShape="1">
@@ -5198,46 +5596,350 @@
             <a:prstDash val="solid"/>
             <a:round/>
             <a:headEnd type="none" w="med" len="med"/>
-            <a:tailEnd type="none" w="med" len="med"/>
+            <a:tailEnd type="triangle"/>
           </a:ln>
           <a:effectLst/>
         </p:spPr>
+      </p:cxnSp>
+    </p:spTree>
+    <p:extLst>
+      <p:ext uri="{BB962C8B-B14F-4D97-AF65-F5344CB8AC3E}">
+        <p14:creationId xmlns:p14="http://schemas.microsoft.com/office/powerpoint/2010/main" val="874895535"/>
+      </p:ext>
+    </p:extLst>
+  </p:cSld>
+  <p:clrMapOvr>
+    <a:masterClrMapping/>
+  </p:clrMapOvr>
+</p:sld>
+</file>
+
+<file path=ppt/slides/slide3.xml><?xml version="1.0" encoding="utf-8"?>
+<p:sld xmlns:a="http://schemas.openxmlformats.org/drawingml/2006/main" xmlns:r="http://schemas.openxmlformats.org/officeDocument/2006/relationships" xmlns:p="http://schemas.openxmlformats.org/presentationml/2006/main">
+  <p:cSld>
+    <p:spTree>
+      <p:nvGrpSpPr>
+        <p:cNvPr id="1" name=""/>
+        <p:cNvGrpSpPr/>
+        <p:nvPr/>
+      </p:nvGrpSpPr>
+      <p:grpSpPr>
+        <a:xfrm>
+          <a:off x="0" y="0"/>
+          <a:ext cx="0" cy="0"/>
+          <a:chOff x="0" y="0"/>
+          <a:chExt cx="0" cy="0"/>
+        </a:xfrm>
+      </p:grpSpPr>
+      <p:sp>
+        <p:nvSpPr>
+          <p:cNvPr id="2" name="Title 1">
+            <a:extLst>
+              <a:ext uri="{FF2B5EF4-FFF2-40B4-BE49-F238E27FC236}">
+                <a16:creationId xmlns:a16="http://schemas.microsoft.com/office/drawing/2014/main" id="{FB471E44-75B5-44F9-B855-03685ED8DD47}"/>
+              </a:ext>
+            </a:extLst>
+          </p:cNvPr>
+          <p:cNvSpPr>
+            <a:spLocks noGrp="1"/>
+          </p:cNvSpPr>
+          <p:nvPr>
+            <p:ph type="title"/>
+          </p:nvPr>
+        </p:nvSpPr>
+        <p:spPr/>
         <p:txBody>
-          <a:bodyPr vert="horz" wrap="none" lIns="91440" tIns="45720" rIns="91440" bIns="45720" numCol="1" rtlCol="0" anchor="ctr" anchorCtr="0" compatLnSpc="1">
-            <a:prstTxWarp prst="textNoShape">
-              <a:avLst/>
-            </a:prstTxWarp>
+          <a:bodyPr/>
+          <a:lstStyle/>
+          <a:p>
+            <a:r>
+              <a:rPr lang="en-US" dirty="0"/>
+              <a:t>ESA Catalogues image creation</a:t>
+            </a:r>
+          </a:p>
+        </p:txBody>
+      </p:sp>
+      <p:sp>
+        <p:nvSpPr>
+          <p:cNvPr id="4" name="Slide Number Placeholder 3">
+            <a:extLst>
+              <a:ext uri="{FF2B5EF4-FFF2-40B4-BE49-F238E27FC236}">
+                <a16:creationId xmlns:a16="http://schemas.microsoft.com/office/drawing/2014/main" id="{762CC587-2122-4987-9F8D-0D09A0C040F0}"/>
+              </a:ext>
+            </a:extLst>
+          </p:cNvPr>
+          <p:cNvSpPr>
+            <a:spLocks noGrp="1"/>
+          </p:cNvSpPr>
+          <p:nvPr>
+            <p:ph type="sldNum" sz="quarter" idx="10"/>
+          </p:nvPr>
+        </p:nvSpPr>
+        <p:spPr/>
+        <p:txBody>
+          <a:bodyPr/>
+          <a:lstStyle/>
+          <a:p>
+            <a:fld id="{37DCC62F-39B4-45A1-8204-04A5213EB8F5}" type="slidenum">
+              <a:rPr lang="en-US" smtClean="0">
+                <a:solidFill>
+                  <a:srgbClr val="000000"/>
+                </a:solidFill>
+              </a:rPr>
+              <a:pPr/>
+              <a:t>3</a:t>
+            </a:fld>
+            <a:endParaRPr lang="en-US">
+              <a:solidFill>
+                <a:srgbClr val="000000"/>
+              </a:solidFill>
+            </a:endParaRPr>
+          </a:p>
+        </p:txBody>
+      </p:sp>
+      <p:sp>
+        <p:nvSpPr>
+          <p:cNvPr id="8" name="TextBox 7">
+            <a:extLst>
+              <a:ext uri="{FF2B5EF4-FFF2-40B4-BE49-F238E27FC236}">
+                <a16:creationId xmlns:a16="http://schemas.microsoft.com/office/drawing/2014/main" id="{9BEEBFF0-3ED8-4E8A-8A91-4F8D19146DFA}"/>
+              </a:ext>
+            </a:extLst>
+          </p:cNvPr>
+          <p:cNvSpPr txBox="1"/>
+          <p:nvPr/>
+        </p:nvSpPr>
+        <p:spPr>
+          <a:xfrm>
+            <a:off x="620217" y="1143000"/>
+            <a:ext cx="6181725" cy="3508653"/>
+          </a:xfrm>
+          <a:prstGeom prst="rect">
+            <a:avLst/>
+          </a:prstGeom>
+          <a:noFill/>
+        </p:spPr>
+        <p:txBody>
+          <a:bodyPr wrap="square" rtlCol="0">
+            <a:spAutoFit/>
           </a:bodyPr>
           <a:lstStyle/>
           <a:p>
-            <a:pPr marL="0" marR="0" indent="0" algn="ctr" defTabSz="914400" rtl="0" eaLnBrk="1" fontAlgn="base" latinLnBrk="0" hangingPunct="1">
-              <a:lnSpc>
-                <a:spcPct val="100000"/>
-              </a:lnSpc>
-              <a:spcBef>
-                <a:spcPct val="0"/>
-              </a:spcBef>
-              <a:spcAft>
-                <a:spcPct val="0"/>
-              </a:spcAft>
-              <a:buClrTx/>
-              <a:buSzTx/>
-              <a:buFontTx/>
-              <a:buNone/>
-              <a:tabLst/>
+            <a:r>
+              <a:rPr lang="en-IN" sz="1200" dirty="0">
+                <a:latin typeface="Verdana" panose="020B0604030504040204" pitchFamily="34" charset="0"/>
+                <a:ea typeface="Verdana" panose="020B0604030504040204" pitchFamily="34" charset="0"/>
+              </a:rPr>
+              <a:t>There are 2 ways to create ESA catalogues:</a:t>
+            </a:r>
+          </a:p>
+          <a:p>
+            <a:endParaRPr lang="en-IN" sz="1200" dirty="0">
+              <a:latin typeface="Verdana" panose="020B0604030504040204" pitchFamily="34" charset="0"/>
+              <a:ea typeface="Verdana" panose="020B0604030504040204" pitchFamily="34" charset="0"/>
+            </a:endParaRPr>
+          </a:p>
+          <a:p>
+            <a:r>
+              <a:rPr lang="en-IN" sz="1200" dirty="0">
+                <a:latin typeface="Verdana" panose="020B0604030504040204" pitchFamily="34" charset="0"/>
+                <a:ea typeface="Verdana" panose="020B0604030504040204" pitchFamily="34" charset="0"/>
+              </a:rPr>
+              <a:t>1.  Create using Ansible. It will include:</a:t>
+            </a:r>
+          </a:p>
+          <a:p>
+            <a:pPr marL="285750" indent="-285750">
+              <a:buFont typeface="Arial" panose="020B0604020202020204" pitchFamily="34" charset="0"/>
+              <a:buChar char="•"/>
             </a:pPr>
             <a:r>
-              <a:rPr kumimoji="0" lang="en-IN" sz="800" b="0" i="0" u="none" strike="noStrike" cap="none" normalizeH="0" baseline="0" dirty="0">
-                <a:ln>
-                  <a:noFill/>
-                </a:ln>
-                <a:solidFill>
-                  <a:schemeClr val="tx1"/>
-                </a:solidFill>
-                <a:effectLst/>
-                <a:latin typeface="Arial" charset="0"/>
-              </a:rPr>
-              <a:t>ESA-BDP</a:t>
+              <a:rPr lang="en-IN" sz="1200" dirty="0">
+                <a:latin typeface="Verdana" panose="020B0604030504040204" pitchFamily="34" charset="0"/>
+                <a:ea typeface="Verdana" panose="020B0604030504040204" pitchFamily="34" charset="0"/>
+              </a:rPr>
+              <a:t>Machine creation</a:t>
+            </a:r>
+          </a:p>
+          <a:p>
+            <a:pPr marL="285750" indent="-285750">
+              <a:buFont typeface="Arial" panose="020B0604020202020204" pitchFamily="34" charset="0"/>
+              <a:buChar char="•"/>
+            </a:pPr>
+            <a:r>
+              <a:rPr lang="en-IN" sz="1200" dirty="0">
+                <a:latin typeface="Verdana" panose="020B0604030504040204" pitchFamily="34" charset="0"/>
+                <a:ea typeface="Verdana" panose="020B0604030504040204" pitchFamily="34" charset="0"/>
+              </a:rPr>
+              <a:t>Patch application</a:t>
+            </a:r>
+          </a:p>
+          <a:p>
+            <a:pPr marL="285750" indent="-285750">
+              <a:buFont typeface="Arial" panose="020B0604020202020204" pitchFamily="34" charset="0"/>
+              <a:buChar char="•"/>
+            </a:pPr>
+            <a:r>
+              <a:rPr lang="en-IN" sz="1200" dirty="0">
+                <a:latin typeface="Verdana" panose="020B0604030504040204" pitchFamily="34" charset="0"/>
+                <a:ea typeface="Verdana" panose="020B0604030504040204" pitchFamily="34" charset="0"/>
+              </a:rPr>
+              <a:t>Python and other required software installation</a:t>
+            </a:r>
+          </a:p>
+          <a:p>
+            <a:endParaRPr lang="en-IN" sz="1200" dirty="0">
+              <a:latin typeface="Verdana" panose="020B0604030504040204" pitchFamily="34" charset="0"/>
+              <a:ea typeface="Verdana" panose="020B0604030504040204" pitchFamily="34" charset="0"/>
+            </a:endParaRPr>
+          </a:p>
+          <a:p>
+            <a:r>
+              <a:rPr lang="en-IN" sz="1200" dirty="0">
+                <a:latin typeface="Verdana" panose="020B0604030504040204" pitchFamily="34" charset="0"/>
+                <a:ea typeface="Verdana" panose="020B0604030504040204" pitchFamily="34" charset="0"/>
+              </a:rPr>
+              <a:t>Following steps will be done by automation</a:t>
+            </a:r>
+          </a:p>
+          <a:p>
+            <a:pPr marL="285750" indent="-285750">
+              <a:buFont typeface="Arial" panose="020B0604020202020204" pitchFamily="34" charset="0"/>
+              <a:buChar char="•"/>
+            </a:pPr>
+            <a:r>
+              <a:rPr lang="en-IN" sz="1200" dirty="0">
+                <a:latin typeface="Verdana" panose="020B0604030504040204" pitchFamily="34" charset="0"/>
+                <a:ea typeface="Verdana" panose="020B0604030504040204" pitchFamily="34" charset="0"/>
+              </a:rPr>
+              <a:t>Data element /roles/user creation </a:t>
+            </a:r>
+          </a:p>
+          <a:p>
+            <a:pPr marL="285750" indent="-285750">
+              <a:buFont typeface="Arial" panose="020B0604020202020204" pitchFamily="34" charset="0"/>
+              <a:buChar char="•"/>
+            </a:pPr>
+            <a:r>
+              <a:rPr lang="en-IN" sz="1200" dirty="0">
+                <a:latin typeface="Verdana" panose="020B0604030504040204" pitchFamily="34" charset="0"/>
+                <a:ea typeface="Verdana" panose="020B0604030504040204" pitchFamily="34" charset="0"/>
+              </a:rPr>
+              <a:t>Policy creation</a:t>
+            </a:r>
+          </a:p>
+          <a:p>
+            <a:r>
+              <a:rPr lang="en-IN" dirty="0"/>
+              <a:t> </a:t>
+            </a:r>
+          </a:p>
+          <a:p>
+            <a:r>
+              <a:rPr lang="en-IN" sz="1200" dirty="0">
+                <a:latin typeface="Verdana" panose="020B0604030504040204" pitchFamily="34" charset="0"/>
+                <a:ea typeface="Verdana" panose="020B0604030504040204" pitchFamily="34" charset="0"/>
+              </a:rPr>
+              <a:t>2.Migrate the existing catalogues from </a:t>
+            </a:r>
+            <a:r>
+              <a:rPr lang="en-IN" sz="1200" dirty="0" err="1">
+                <a:latin typeface="Verdana" panose="020B0604030504040204" pitchFamily="34" charset="0"/>
+                <a:ea typeface="Verdana" panose="020B0604030504040204" pitchFamily="34" charset="0"/>
+              </a:rPr>
+              <a:t>vCloud</a:t>
+            </a:r>
+            <a:r>
+              <a:rPr lang="en-IN" sz="1200" dirty="0">
+                <a:latin typeface="Verdana" panose="020B0604030504040204" pitchFamily="34" charset="0"/>
+                <a:ea typeface="Verdana" panose="020B0604030504040204" pitchFamily="34" charset="0"/>
+              </a:rPr>
+              <a:t> and connect them using VPN.</a:t>
+            </a:r>
+          </a:p>
+          <a:p>
+            <a:endParaRPr lang="en-IN" sz="1200" dirty="0"/>
+          </a:p>
+          <a:p>
+            <a:r>
+              <a:rPr lang="en-IN" sz="1200" dirty="0">
+                <a:latin typeface="Verdana" panose="020B0604030504040204" pitchFamily="34" charset="0"/>
+                <a:ea typeface="Verdana" panose="020B0604030504040204" pitchFamily="34" charset="0"/>
+              </a:rPr>
+              <a:t>Machine will be created from image/</a:t>
+            </a:r>
+            <a:r>
+              <a:rPr lang="en-IN" sz="1200" dirty="0" err="1">
+                <a:latin typeface="Verdana" panose="020B0604030504040204" pitchFamily="34" charset="0"/>
+                <a:ea typeface="Verdana" panose="020B0604030504040204" pitchFamily="34" charset="0"/>
+              </a:rPr>
+              <a:t>vCloud</a:t>
+            </a:r>
+            <a:r>
+              <a:rPr lang="en-IN" sz="1200" dirty="0">
+                <a:latin typeface="Verdana" panose="020B0604030504040204" pitchFamily="34" charset="0"/>
+                <a:ea typeface="Verdana" panose="020B0604030504040204" pitchFamily="34" charset="0"/>
+              </a:rPr>
+              <a:t> for below tasks:</a:t>
+            </a:r>
+          </a:p>
+          <a:p>
+            <a:pPr marL="171450" indent="-171450">
+              <a:buFont typeface="Arial" panose="020B0604020202020204" pitchFamily="34" charset="0"/>
+              <a:buChar char="•"/>
+            </a:pPr>
+            <a:r>
+              <a:rPr lang="en-IN" sz="800" dirty="0">
+                <a:latin typeface="Verdana" panose="020B0604030504040204" pitchFamily="34" charset="0"/>
+                <a:ea typeface="Verdana" panose="020B0604030504040204" pitchFamily="34" charset="0"/>
+              </a:rPr>
+              <a:t>   </a:t>
+            </a:r>
+            <a:r>
+              <a:rPr lang="en-IN" sz="1200" dirty="0">
+                <a:latin typeface="Verdana" panose="020B0604030504040204" pitchFamily="34" charset="0"/>
+                <a:ea typeface="Verdana" panose="020B0604030504040204" pitchFamily="34" charset="0"/>
+              </a:rPr>
+              <a:t>Regression execution by AQA</a:t>
+            </a:r>
+          </a:p>
+          <a:p>
+            <a:pPr marL="171450" indent="-171450">
+              <a:buFont typeface="Arial" panose="020B0604020202020204" pitchFamily="34" charset="0"/>
+              <a:buChar char="•"/>
+            </a:pPr>
+            <a:r>
+              <a:rPr lang="en-IN" sz="1200" dirty="0">
+                <a:latin typeface="Verdana" panose="020B0604030504040204" pitchFamily="34" charset="0"/>
+                <a:ea typeface="Verdana" panose="020B0604030504040204" pitchFamily="34" charset="0"/>
+              </a:rPr>
+              <a:t>  AQA bugs testing/Sprint tasks.</a:t>
+            </a:r>
+          </a:p>
+          <a:p>
+            <a:pPr marL="171450" indent="-171450">
+              <a:buFont typeface="Arial" panose="020B0604020202020204" pitchFamily="34" charset="0"/>
+              <a:buChar char="•"/>
+            </a:pPr>
+            <a:r>
+              <a:rPr lang="en-IN" sz="1200" dirty="0">
+                <a:latin typeface="Verdana" panose="020B0604030504040204" pitchFamily="34" charset="0"/>
+                <a:ea typeface="Verdana" panose="020B0604030504040204" pitchFamily="34" charset="0"/>
+              </a:rPr>
+              <a:t>  Certification</a:t>
+            </a:r>
+          </a:p>
+          <a:p>
+            <a:pPr marL="171450" indent="-171450">
+              <a:buFont typeface="Arial" panose="020B0604020202020204" pitchFamily="34" charset="0"/>
+              <a:buChar char="•"/>
+            </a:pPr>
+            <a:r>
+              <a:rPr lang="en-IN" sz="1200" dirty="0">
+                <a:latin typeface="Verdana" panose="020B0604030504040204" pitchFamily="34" charset="0"/>
+                <a:ea typeface="Verdana" panose="020B0604030504040204" pitchFamily="34" charset="0"/>
+              </a:rPr>
+              <a:t>  CI execution on weekend batch</a:t>
             </a:r>
           </a:p>
         </p:txBody>
@@ -5255,7 +5957,7 @@
 </p:sld>
 </file>
 
-<file path=ppt/slides/slide3.xml><?xml version="1.0" encoding="utf-8"?>
+<file path=ppt/slides/slide4.xml><?xml version="1.0" encoding="utf-8"?>
 <p:sld xmlns:a="http://schemas.openxmlformats.org/drawingml/2006/main" xmlns:r="http://schemas.openxmlformats.org/officeDocument/2006/relationships" xmlns:p="http://schemas.openxmlformats.org/presentationml/2006/main">
   <p:cSld>
     <p:spTree>
@@ -5328,7 +6030,7 @@
                 </a:solidFill>
               </a:rPr>
               <a:pPr/>
-              <a:t>3</a:t>
+              <a:t>4</a:t>
             </a:fld>
             <a:endParaRPr lang="en-US">
               <a:solidFill>
@@ -5357,7 +6059,7 @@
         <p:spPr>
           <a:xfrm>
             <a:off x="457200" y="1252538"/>
-            <a:ext cx="7815263" cy="830997"/>
+            <a:ext cx="7815263" cy="3490186"/>
           </a:xfrm>
         </p:spPr>
         <p:txBody>
@@ -5366,16 +6068,33 @@
           <a:p>
             <a:r>
               <a:rPr lang="en-IN" dirty="0"/>
-              <a:t>Machine will be created by Ansible scripts followed by required software installation e.g. </a:t>
-            </a:r>
-            <a:r>
-              <a:rPr lang="en-IN" err="1"/>
-              <a:t>python</a:t>
-            </a:r>
-            <a:r>
-              <a:rPr lang="en-IN"/>
-              <a:t>, docker etc.</a:t>
-            </a:r>
+              <a:t>Machine will be created by Ansible scripts followed by required software installation e.g. python, docker etc.</a:t>
+            </a:r>
+          </a:p>
+          <a:p>
+            <a:r>
+              <a:rPr lang="en-IN" dirty="0"/>
+              <a:t>For the execution purpose the script will determine how many containers will be required to create to run the testcases into parallel.</a:t>
+            </a:r>
+          </a:p>
+          <a:p>
+            <a:r>
+              <a:rPr lang="en-IN" dirty="0"/>
+              <a:t>The Script will create multiple containers followed by software installation (if any) e.g. </a:t>
+            </a:r>
+            <a:r>
+              <a:rPr lang="en-IN" dirty="0" err="1"/>
+              <a:t>python,openssh</a:t>
+            </a:r>
+            <a:r>
+              <a:rPr lang="en-IN" dirty="0"/>
+              <a:t> etc.</a:t>
+            </a:r>
+          </a:p>
+          <a:p>
+            <a:pPr marL="0" indent="0">
+              <a:buNone/>
+            </a:pPr>
             <a:endParaRPr lang="en-IN" dirty="0"/>
           </a:p>
         </p:txBody>
@@ -5384,127 +6103,6 @@
     <p:extLst>
       <p:ext uri="{BB962C8B-B14F-4D97-AF65-F5344CB8AC3E}">
         <p14:creationId xmlns:p14="http://schemas.microsoft.com/office/powerpoint/2010/main" val="3761009056"/>
-      </p:ext>
-    </p:extLst>
-  </p:cSld>
-  <p:clrMapOvr>
-    <a:masterClrMapping/>
-  </p:clrMapOvr>
-</p:sld>
-</file>
-
-<file path=ppt/slides/slide4.xml><?xml version="1.0" encoding="utf-8"?>
-<p:sld xmlns:a="http://schemas.openxmlformats.org/drawingml/2006/main" xmlns:r="http://schemas.openxmlformats.org/officeDocument/2006/relationships" xmlns:p="http://schemas.openxmlformats.org/presentationml/2006/main">
-  <p:cSld>
-    <p:spTree>
-      <p:nvGrpSpPr>
-        <p:cNvPr id="1" name=""/>
-        <p:cNvGrpSpPr/>
-        <p:nvPr/>
-      </p:nvGrpSpPr>
-      <p:grpSpPr>
-        <a:xfrm>
-          <a:off x="0" y="0"/>
-          <a:ext cx="0" cy="0"/>
-          <a:chOff x="0" y="0"/>
-          <a:chExt cx="0" cy="0"/>
-        </a:xfrm>
-      </p:grpSpPr>
-      <p:sp>
-        <p:nvSpPr>
-          <p:cNvPr id="2" name="Title 1">
-            <a:extLst>
-              <a:ext uri="{FF2B5EF4-FFF2-40B4-BE49-F238E27FC236}">
-                <a16:creationId xmlns:a16="http://schemas.microsoft.com/office/drawing/2014/main" id="{B0DABBD7-4A91-49EB-B16E-4ACC1ED2E772}"/>
-              </a:ext>
-            </a:extLst>
-          </p:cNvPr>
-          <p:cNvSpPr>
-            <a:spLocks noGrp="1"/>
-          </p:cNvSpPr>
-          <p:nvPr>
-            <p:ph type="title"/>
-          </p:nvPr>
-        </p:nvSpPr>
-        <p:spPr/>
-        <p:txBody>
-          <a:bodyPr/>
-          <a:lstStyle/>
-          <a:p>
-            <a:r>
-              <a:rPr lang="en-IN" dirty="0"/>
-              <a:t>TestNG Parallel Testcase Execution</a:t>
-            </a:r>
-          </a:p>
-        </p:txBody>
-      </p:sp>
-      <p:sp>
-        <p:nvSpPr>
-          <p:cNvPr id="4" name="Slide Number Placeholder 3">
-            <a:extLst>
-              <a:ext uri="{FF2B5EF4-FFF2-40B4-BE49-F238E27FC236}">
-                <a16:creationId xmlns:a16="http://schemas.microsoft.com/office/drawing/2014/main" id="{16F475BC-189D-4AAB-88CE-5C64B6A26391}"/>
-              </a:ext>
-            </a:extLst>
-          </p:cNvPr>
-          <p:cNvSpPr>
-            <a:spLocks noGrp="1"/>
-          </p:cNvSpPr>
-          <p:nvPr>
-            <p:ph type="sldNum" sz="quarter" idx="10"/>
-          </p:nvPr>
-        </p:nvSpPr>
-        <p:spPr/>
-        <p:txBody>
-          <a:bodyPr/>
-          <a:lstStyle/>
-          <a:p>
-            <a:fld id="{37DCC62F-39B4-45A1-8204-04A5213EB8F5}" type="slidenum">
-              <a:rPr lang="en-US" smtClean="0">
-                <a:solidFill>
-                  <a:srgbClr val="000000"/>
-                </a:solidFill>
-              </a:rPr>
-              <a:pPr/>
-              <a:t>4</a:t>
-            </a:fld>
-            <a:endParaRPr lang="en-US">
-              <a:solidFill>
-                <a:srgbClr val="000000"/>
-              </a:solidFill>
-            </a:endParaRPr>
-          </a:p>
-        </p:txBody>
-      </p:sp>
-      <p:sp>
-        <p:nvSpPr>
-          <p:cNvPr id="3" name="Content Placeholder 2">
-            <a:extLst>
-              <a:ext uri="{FF2B5EF4-FFF2-40B4-BE49-F238E27FC236}">
-                <a16:creationId xmlns:a16="http://schemas.microsoft.com/office/drawing/2014/main" id="{93FF75A6-A37E-4102-B811-B949AE235ABE}"/>
-              </a:ext>
-            </a:extLst>
-          </p:cNvPr>
-          <p:cNvSpPr>
-            <a:spLocks noGrp="1"/>
-          </p:cNvSpPr>
-          <p:nvPr>
-            <p:ph idx="1"/>
-          </p:nvPr>
-        </p:nvSpPr>
-        <p:spPr/>
-        <p:txBody>
-          <a:bodyPr/>
-          <a:lstStyle/>
-          <a:p>
-            <a:endParaRPr lang="en-IN"/>
-          </a:p>
-        </p:txBody>
-      </p:sp>
-    </p:spTree>
-    <p:extLst>
-      <p:ext uri="{BB962C8B-B14F-4D97-AF65-F5344CB8AC3E}">
-        <p14:creationId xmlns:p14="http://schemas.microsoft.com/office/powerpoint/2010/main" val="906387061"/>
       </p:ext>
     </p:extLst>
   </p:cSld>
@@ -5613,12 +6211,220 @@
             <p:ph idx="1"/>
           </p:nvPr>
         </p:nvSpPr>
-        <p:spPr/>
+        <p:spPr>
+          <a:xfrm>
+            <a:off x="422376" y="798513"/>
+            <a:ext cx="7815263" cy="4188839"/>
+          </a:xfrm>
+        </p:spPr>
         <p:txBody>
           <a:bodyPr/>
           <a:lstStyle/>
           <a:p>
-            <a:endParaRPr lang="en-IN"/>
+            <a:r>
+              <a:rPr lang="en-US" sz="1200" dirty="0">
+                <a:latin typeface="+mj-lt"/>
+              </a:rPr>
+              <a:t>TestNG is a testing framework inspired from JUnit and </a:t>
+            </a:r>
+            <a:r>
+              <a:rPr lang="en-US" sz="1200" dirty="0" err="1">
+                <a:latin typeface="+mj-lt"/>
+              </a:rPr>
+              <a:t>NUnit</a:t>
+            </a:r>
+            <a:r>
+              <a:rPr lang="en-US" sz="1200" dirty="0">
+                <a:latin typeface="+mj-lt"/>
+              </a:rPr>
+              <a:t> but introducing some new functionalities that make it more powerful and easier to use, such as:</a:t>
+            </a:r>
+          </a:p>
+          <a:p>
+            <a:pPr lvl="1"/>
+            <a:r>
+              <a:rPr lang="en-US" sz="1100" b="1" dirty="0">
+                <a:latin typeface="+mj-lt"/>
+              </a:rPr>
+              <a:t>Annotations.</a:t>
+            </a:r>
+            <a:r>
+              <a:rPr lang="en-US" sz="1100" dirty="0">
+                <a:latin typeface="+mj-lt"/>
+              </a:rPr>
+              <a:t> </a:t>
+            </a:r>
+          </a:p>
+          <a:p>
+            <a:pPr lvl="1"/>
+            <a:r>
+              <a:rPr lang="en-US" sz="1100" dirty="0">
+                <a:latin typeface="+mj-lt"/>
+              </a:rPr>
+              <a:t>Run your tests in arbitrarily big thread pools with various policies available (all methods in their own thread, one thread per test class, etc...). </a:t>
+            </a:r>
+          </a:p>
+          <a:p>
+            <a:pPr lvl="1"/>
+            <a:r>
+              <a:rPr lang="en-US" sz="1100" dirty="0">
+                <a:latin typeface="+mj-lt"/>
+              </a:rPr>
+              <a:t>Test that your code is multithread safe. </a:t>
+            </a:r>
+          </a:p>
+          <a:p>
+            <a:pPr lvl="1"/>
+            <a:r>
+              <a:rPr lang="en-US" sz="1100" dirty="0">
+                <a:latin typeface="+mj-lt"/>
+              </a:rPr>
+              <a:t>Flexible test configuration. </a:t>
+            </a:r>
+          </a:p>
+          <a:p>
+            <a:pPr lvl="1"/>
+            <a:r>
+              <a:rPr lang="en-US" sz="1100" b="1" dirty="0">
+                <a:latin typeface="+mj-lt"/>
+              </a:rPr>
+              <a:t>Support for data-driven testing (with @</a:t>
+            </a:r>
+            <a:r>
+              <a:rPr lang="en-US" sz="1100" b="1" dirty="0" err="1">
+                <a:latin typeface="+mj-lt"/>
+              </a:rPr>
+              <a:t>DataProvider</a:t>
+            </a:r>
+            <a:r>
+              <a:rPr lang="en-US" sz="1100" b="1" dirty="0">
+                <a:latin typeface="+mj-lt"/>
+              </a:rPr>
+              <a:t>). </a:t>
+            </a:r>
+          </a:p>
+          <a:p>
+            <a:pPr lvl="1"/>
+            <a:r>
+              <a:rPr lang="en-US" sz="1100" b="1" dirty="0">
+                <a:latin typeface="+mj-lt"/>
+              </a:rPr>
+              <a:t>Support for parameters. </a:t>
+            </a:r>
+          </a:p>
+          <a:p>
+            <a:pPr lvl="1"/>
+            <a:r>
+              <a:rPr lang="en-US" sz="1100" dirty="0">
+                <a:latin typeface="+mj-lt"/>
+              </a:rPr>
+              <a:t>Powerful execution model. </a:t>
+            </a:r>
+          </a:p>
+          <a:p>
+            <a:pPr lvl="1"/>
+            <a:r>
+              <a:rPr lang="en-US" sz="1100" dirty="0">
+                <a:latin typeface="+mj-lt"/>
+              </a:rPr>
+              <a:t>Supported by a variety of tools and plug-ins (Eclipse, IDEA, Maven, etc...). </a:t>
+            </a:r>
+          </a:p>
+          <a:p>
+            <a:pPr lvl="1"/>
+            <a:r>
+              <a:rPr lang="en-US" sz="1100" dirty="0">
+                <a:latin typeface="+mj-lt"/>
+              </a:rPr>
+              <a:t>Embeds </a:t>
+            </a:r>
+            <a:r>
+              <a:rPr lang="en-US" sz="1100" dirty="0" err="1">
+                <a:latin typeface="+mj-lt"/>
+              </a:rPr>
+              <a:t>BeanShell</a:t>
+            </a:r>
+            <a:r>
+              <a:rPr lang="en-US" sz="1100" dirty="0">
+                <a:latin typeface="+mj-lt"/>
+              </a:rPr>
+              <a:t> for further flexibility. </a:t>
+            </a:r>
+          </a:p>
+          <a:p>
+            <a:pPr lvl="1"/>
+            <a:r>
+              <a:rPr lang="en-US" sz="1100" dirty="0">
+                <a:latin typeface="+mj-lt"/>
+              </a:rPr>
+              <a:t>Default JDK functions for runtime and logging (no dependencies). </a:t>
+            </a:r>
+          </a:p>
+          <a:p>
+            <a:pPr lvl="1"/>
+            <a:r>
+              <a:rPr lang="en-US" sz="1100" dirty="0">
+                <a:latin typeface="+mj-lt"/>
+              </a:rPr>
+              <a:t>Dependent methods for application server testing.</a:t>
+            </a:r>
+            <a:endParaRPr lang="en-IN" sz="1100" dirty="0">
+              <a:latin typeface="+mj-lt"/>
+            </a:endParaRPr>
+          </a:p>
+          <a:p>
+            <a:pPr lvl="1"/>
+            <a:r>
+              <a:rPr lang="en-IN" sz="1100" b="1" dirty="0">
+                <a:latin typeface="+mj-lt"/>
+              </a:rPr>
+              <a:t>Supports Parallelism of </a:t>
+            </a:r>
+            <a:r>
+              <a:rPr lang="en-IN" sz="1100" b="1" dirty="0" err="1">
+                <a:latin typeface="+mj-lt"/>
+              </a:rPr>
+              <a:t>tests,classes</a:t>
+            </a:r>
+            <a:r>
+              <a:rPr lang="en-IN" sz="1100" b="1" dirty="0">
+                <a:latin typeface="+mj-lt"/>
+              </a:rPr>
+              <a:t> and methods</a:t>
+            </a:r>
+            <a:r>
+              <a:rPr lang="en-IN" sz="1100" dirty="0">
+                <a:latin typeface="+mj-lt"/>
+              </a:rPr>
+              <a:t>.</a:t>
+            </a:r>
+          </a:p>
+          <a:p>
+            <a:pPr lvl="1"/>
+            <a:r>
+              <a:rPr lang="en-IN" sz="1100" b="1" dirty="0">
+                <a:latin typeface="+mj-lt"/>
+              </a:rPr>
+              <a:t>Grouping of testcases and exclusion of groups</a:t>
+            </a:r>
+          </a:p>
+          <a:p>
+            <a:pPr lvl="1"/>
+            <a:r>
+              <a:rPr lang="en-IN" sz="1100" b="1" dirty="0">
+                <a:latin typeface="+mj-lt"/>
+              </a:rPr>
+              <a:t>Logging and reporting</a:t>
+            </a:r>
+          </a:p>
+          <a:p>
+            <a:pPr lvl="1"/>
+            <a:r>
+              <a:rPr lang="en-IN" sz="1100" b="1" dirty="0">
+                <a:latin typeface="+mj-lt"/>
+              </a:rPr>
+              <a:t>Easy integration with cucumber.</a:t>
+            </a:r>
           </a:p>
         </p:txBody>
       </p:sp>
@@ -5636,6 +6442,1109 @@
 </file>
 
 <file path=ppt/slides/slide6.xml><?xml version="1.0" encoding="utf-8"?>
+<p:sld xmlns:a="http://schemas.openxmlformats.org/drawingml/2006/main" xmlns:r="http://schemas.openxmlformats.org/officeDocument/2006/relationships" xmlns:p="http://schemas.openxmlformats.org/presentationml/2006/main">
+  <p:cSld>
+    <p:spTree>
+      <p:nvGrpSpPr>
+        <p:cNvPr id="1" name=""/>
+        <p:cNvGrpSpPr/>
+        <p:nvPr/>
+      </p:nvGrpSpPr>
+      <p:grpSpPr>
+        <a:xfrm>
+          <a:off x="0" y="0"/>
+          <a:ext cx="0" cy="0"/>
+          <a:chOff x="0" y="0"/>
+          <a:chExt cx="0" cy="0"/>
+        </a:xfrm>
+      </p:grpSpPr>
+      <p:sp>
+        <p:nvSpPr>
+          <p:cNvPr id="2" name="Title 1">
+            <a:extLst>
+              <a:ext uri="{FF2B5EF4-FFF2-40B4-BE49-F238E27FC236}">
+                <a16:creationId xmlns:a16="http://schemas.microsoft.com/office/drawing/2014/main" id="{3C0F3E8B-B204-4A1E-84F5-42606223B4D6}"/>
+              </a:ext>
+            </a:extLst>
+          </p:cNvPr>
+          <p:cNvSpPr>
+            <a:spLocks noGrp="1"/>
+          </p:cNvSpPr>
+          <p:nvPr>
+            <p:ph type="title"/>
+          </p:nvPr>
+        </p:nvSpPr>
+        <p:spPr/>
+        <p:txBody>
+          <a:bodyPr/>
+          <a:lstStyle/>
+          <a:p>
+            <a:r>
+              <a:rPr lang="en-IN" dirty="0"/>
+              <a:t>TestNG Parallel Testcase Execution</a:t>
+            </a:r>
+          </a:p>
+        </p:txBody>
+      </p:sp>
+      <p:sp>
+        <p:nvSpPr>
+          <p:cNvPr id="3" name="Content Placeholder 2">
+            <a:extLst>
+              <a:ext uri="{FF2B5EF4-FFF2-40B4-BE49-F238E27FC236}">
+                <a16:creationId xmlns:a16="http://schemas.microsoft.com/office/drawing/2014/main" id="{91515232-C096-4691-8DE9-D4A55E09BE34}"/>
+              </a:ext>
+            </a:extLst>
+          </p:cNvPr>
+          <p:cNvSpPr>
+            <a:spLocks noGrp="1"/>
+          </p:cNvSpPr>
+          <p:nvPr>
+            <p:ph idx="1"/>
+          </p:nvPr>
+        </p:nvSpPr>
+        <p:spPr>
+          <a:xfrm>
+            <a:off x="617420" y="914400"/>
+            <a:ext cx="7586663" cy="5161413"/>
+          </a:xfrm>
+        </p:spPr>
+        <p:txBody>
+          <a:bodyPr/>
+          <a:lstStyle/>
+          <a:p>
+            <a:r>
+              <a:rPr lang="en-IN" sz="1100" dirty="0">
+                <a:latin typeface="Verdana" panose="020B0604030504040204" pitchFamily="34" charset="0"/>
+                <a:ea typeface="Verdana" panose="020B0604030504040204" pitchFamily="34" charset="0"/>
+              </a:rPr>
+              <a:t>Testng.xml for Parallel execution and scenario creation.</a:t>
+            </a:r>
+          </a:p>
+          <a:p>
+            <a:endParaRPr lang="en-IN" sz="1100" dirty="0">
+              <a:latin typeface="Verdana" panose="020B0604030504040204" pitchFamily="34" charset="0"/>
+              <a:ea typeface="Verdana" panose="020B0604030504040204" pitchFamily="34" charset="0"/>
+            </a:endParaRPr>
+          </a:p>
+          <a:p>
+            <a:pPr marL="0" indent="0">
+              <a:buNone/>
+            </a:pPr>
+            <a:r>
+              <a:rPr lang="en-IN" sz="800" dirty="0">
+                <a:latin typeface="Verdana" panose="020B0604030504040204" pitchFamily="34" charset="0"/>
+                <a:ea typeface="Verdana" panose="020B0604030504040204" pitchFamily="34" charset="0"/>
+              </a:rPr>
+              <a:t>&lt;?xml version="1.0"?&gt;</a:t>
+            </a:r>
+          </a:p>
+          <a:p>
+            <a:pPr marL="0" indent="0">
+              <a:buNone/>
+            </a:pPr>
+            <a:r>
+              <a:rPr lang="en-IN" sz="800" dirty="0">
+                <a:latin typeface="Verdana" panose="020B0604030504040204" pitchFamily="34" charset="0"/>
+                <a:ea typeface="Verdana" panose="020B0604030504040204" pitchFamily="34" charset="0"/>
+              </a:rPr>
+              <a:t>&lt;suite name="Debugging QA Tests" </a:t>
+            </a:r>
+            <a:r>
+              <a:rPr lang="en-IN" sz="800" b="1" dirty="0">
+                <a:latin typeface="Verdana" panose="020B0604030504040204" pitchFamily="34" charset="0"/>
+                <a:ea typeface="Verdana" panose="020B0604030504040204" pitchFamily="34" charset="0"/>
+              </a:rPr>
+              <a:t>parallel="tests"</a:t>
+            </a:r>
+            <a:r>
+              <a:rPr lang="en-IN" sz="800" dirty="0">
+                <a:latin typeface="Verdana" panose="020B0604030504040204" pitchFamily="34" charset="0"/>
+                <a:ea typeface="Verdana" panose="020B0604030504040204" pitchFamily="34" charset="0"/>
+              </a:rPr>
+              <a:t> thread-count="10"&gt;</a:t>
+            </a:r>
+          </a:p>
+          <a:p>
+            <a:pPr marL="0" indent="0">
+              <a:buNone/>
+            </a:pPr>
+            <a:r>
+              <a:rPr lang="en-IN" sz="800" dirty="0">
+                <a:latin typeface="Verdana" panose="020B0604030504040204" pitchFamily="34" charset="0"/>
+                <a:ea typeface="Verdana" panose="020B0604030504040204" pitchFamily="34" charset="0"/>
+              </a:rPr>
+              <a:t>&lt;test name="Popup Tests" preserve-order="true" &gt;</a:t>
+            </a:r>
+          </a:p>
+          <a:p>
+            <a:pPr marL="0" indent="0">
+              <a:buNone/>
+            </a:pPr>
+            <a:r>
+              <a:rPr lang="en-IN" sz="800" dirty="0">
+                <a:latin typeface="Verdana" panose="020B0604030504040204" pitchFamily="34" charset="0"/>
+                <a:ea typeface="Verdana" panose="020B0604030504040204" pitchFamily="34" charset="0"/>
+              </a:rPr>
+              <a:t>        &lt;parameter name="</a:t>
+            </a:r>
+            <a:r>
+              <a:rPr lang="en-IN" sz="800" dirty="0" err="1">
+                <a:latin typeface="Verdana" panose="020B0604030504040204" pitchFamily="34" charset="0"/>
+                <a:ea typeface="Verdana" panose="020B0604030504040204" pitchFamily="34" charset="0"/>
+              </a:rPr>
+              <a:t>selenium.OS</a:t>
+            </a:r>
+            <a:r>
+              <a:rPr lang="en-IN" sz="800" dirty="0">
+                <a:latin typeface="Verdana" panose="020B0604030504040204" pitchFamily="34" charset="0"/>
+                <a:ea typeface="Verdana" panose="020B0604030504040204" pitchFamily="34" charset="0"/>
+              </a:rPr>
+              <a:t>" value="localhost" /&gt;</a:t>
+            </a:r>
+          </a:p>
+          <a:p>
+            <a:pPr marL="0" indent="0">
+              <a:buNone/>
+            </a:pPr>
+            <a:r>
+              <a:rPr lang="en-IN" sz="800" dirty="0">
+                <a:latin typeface="Verdana" panose="020B0604030504040204" pitchFamily="34" charset="0"/>
+                <a:ea typeface="Verdana" panose="020B0604030504040204" pitchFamily="34" charset="0"/>
+              </a:rPr>
+              <a:t>        &lt;parameter name="</a:t>
+            </a:r>
+            <a:r>
+              <a:rPr lang="en-IN" sz="800" dirty="0" err="1">
+                <a:latin typeface="Verdana" panose="020B0604030504040204" pitchFamily="34" charset="0"/>
+                <a:ea typeface="Verdana" panose="020B0604030504040204" pitchFamily="34" charset="0"/>
+              </a:rPr>
+              <a:t>selenium.browser</a:t>
+            </a:r>
+            <a:r>
+              <a:rPr lang="en-IN" sz="800" dirty="0">
+                <a:latin typeface="Verdana" panose="020B0604030504040204" pitchFamily="34" charset="0"/>
+                <a:ea typeface="Verdana" panose="020B0604030504040204" pitchFamily="34" charset="0"/>
+              </a:rPr>
+              <a:t>" value="chrome" /&gt;</a:t>
+            </a:r>
+          </a:p>
+          <a:p>
+            <a:pPr marL="0" indent="0">
+              <a:buNone/>
+            </a:pPr>
+            <a:r>
+              <a:rPr lang="en-IN" sz="800" dirty="0">
+                <a:latin typeface="Verdana" panose="020B0604030504040204" pitchFamily="34" charset="0"/>
+                <a:ea typeface="Verdana" panose="020B0604030504040204" pitchFamily="34" charset="0"/>
+              </a:rPr>
+              <a:t>        &lt;parameter name="</a:t>
+            </a:r>
+            <a:r>
+              <a:rPr lang="en-IN" sz="800" dirty="0" err="1">
+                <a:latin typeface="Verdana" panose="020B0604030504040204" pitchFamily="34" charset="0"/>
+                <a:ea typeface="Verdana" panose="020B0604030504040204" pitchFamily="34" charset="0"/>
+              </a:rPr>
+              <a:t>selenium.testClassNameHere</a:t>
+            </a:r>
+            <a:r>
+              <a:rPr lang="en-IN" sz="800" dirty="0">
+                <a:latin typeface="Verdana" panose="020B0604030504040204" pitchFamily="34" charset="0"/>
+                <a:ea typeface="Verdana" panose="020B0604030504040204" pitchFamily="34" charset="0"/>
+              </a:rPr>
+              <a:t>" value="</a:t>
+            </a:r>
+            <a:r>
+              <a:rPr lang="en-IN" sz="800" dirty="0" err="1">
+                <a:latin typeface="Verdana" panose="020B0604030504040204" pitchFamily="34" charset="0"/>
+                <a:ea typeface="Verdana" panose="020B0604030504040204" pitchFamily="34" charset="0"/>
+              </a:rPr>
+              <a:t>AcceptanceTests.PopupTests</a:t>
+            </a:r>
+            <a:r>
+              <a:rPr lang="en-IN" sz="800" dirty="0">
+                <a:latin typeface="Verdana" panose="020B0604030504040204" pitchFamily="34" charset="0"/>
+                <a:ea typeface="Verdana" panose="020B0604030504040204" pitchFamily="34" charset="0"/>
+              </a:rPr>
+              <a:t>" /&gt;</a:t>
+            </a:r>
+          </a:p>
+          <a:p>
+            <a:pPr marL="0" indent="0">
+              <a:buNone/>
+            </a:pPr>
+            <a:r>
+              <a:rPr lang="en-IN" sz="800" dirty="0">
+                <a:latin typeface="Verdana" panose="020B0604030504040204" pitchFamily="34" charset="0"/>
+                <a:ea typeface="Verdana" panose="020B0604030504040204" pitchFamily="34" charset="0"/>
+              </a:rPr>
+              <a:t>        &lt;classes&gt;</a:t>
+            </a:r>
+          </a:p>
+          <a:p>
+            <a:pPr marL="0" indent="0">
+              <a:buNone/>
+            </a:pPr>
+            <a:r>
+              <a:rPr lang="en-IN" sz="800" dirty="0">
+                <a:latin typeface="Verdana" panose="020B0604030504040204" pitchFamily="34" charset="0"/>
+                <a:ea typeface="Verdana" panose="020B0604030504040204" pitchFamily="34" charset="0"/>
+              </a:rPr>
+              <a:t>            &lt;class name="</a:t>
+            </a:r>
+            <a:r>
+              <a:rPr lang="en-IN" sz="800" dirty="0" err="1">
+                <a:latin typeface="Verdana" panose="020B0604030504040204" pitchFamily="34" charset="0"/>
+                <a:ea typeface="Verdana" panose="020B0604030504040204" pitchFamily="34" charset="0"/>
+              </a:rPr>
+              <a:t>qaautomation.AcceptanceTests.PopupTests</a:t>
+            </a:r>
+            <a:r>
+              <a:rPr lang="en-IN" sz="800" dirty="0">
+                <a:latin typeface="Verdana" panose="020B0604030504040204" pitchFamily="34" charset="0"/>
+                <a:ea typeface="Verdana" panose="020B0604030504040204" pitchFamily="34" charset="0"/>
+              </a:rPr>
+              <a:t>" /&gt;</a:t>
+            </a:r>
+          </a:p>
+          <a:p>
+            <a:pPr marL="0" indent="0">
+              <a:buNone/>
+            </a:pPr>
+            <a:r>
+              <a:rPr lang="en-IN" sz="800" dirty="0">
+                <a:latin typeface="Verdana" panose="020B0604030504040204" pitchFamily="34" charset="0"/>
+                <a:ea typeface="Verdana" panose="020B0604030504040204" pitchFamily="34" charset="0"/>
+              </a:rPr>
+              <a:t>        &lt;/classes&gt;</a:t>
+            </a:r>
+          </a:p>
+          <a:p>
+            <a:pPr marL="0" indent="0">
+              <a:buNone/>
+            </a:pPr>
+            <a:r>
+              <a:rPr lang="en-IN" sz="800" dirty="0">
+                <a:latin typeface="Verdana" panose="020B0604030504040204" pitchFamily="34" charset="0"/>
+                <a:ea typeface="Verdana" panose="020B0604030504040204" pitchFamily="34" charset="0"/>
+              </a:rPr>
+              <a:t>    &lt;/test&gt;</a:t>
+            </a:r>
+          </a:p>
+          <a:p>
+            <a:pPr marL="0" indent="0">
+              <a:buNone/>
+            </a:pPr>
+            <a:r>
+              <a:rPr lang="en-IN" sz="800" dirty="0">
+                <a:latin typeface="Verdana" panose="020B0604030504040204" pitchFamily="34" charset="0"/>
+                <a:ea typeface="Verdana" panose="020B0604030504040204" pitchFamily="34" charset="0"/>
+              </a:rPr>
+              <a:t>  &lt;test name="Login Page Tests" preserve-order="true"&gt;</a:t>
+            </a:r>
+          </a:p>
+          <a:p>
+            <a:pPr marL="0" indent="0">
+              <a:buNone/>
+            </a:pPr>
+            <a:r>
+              <a:rPr lang="en-IN" sz="800" dirty="0">
+                <a:latin typeface="Verdana" panose="020B0604030504040204" pitchFamily="34" charset="0"/>
+                <a:ea typeface="Verdana" panose="020B0604030504040204" pitchFamily="34" charset="0"/>
+              </a:rPr>
+              <a:t>        &lt;parameter name="</a:t>
+            </a:r>
+            <a:r>
+              <a:rPr lang="en-IN" sz="800" dirty="0" err="1">
+                <a:latin typeface="Verdana" panose="020B0604030504040204" pitchFamily="34" charset="0"/>
+                <a:ea typeface="Verdana" panose="020B0604030504040204" pitchFamily="34" charset="0"/>
+              </a:rPr>
+              <a:t>selenium.OS</a:t>
+            </a:r>
+            <a:r>
+              <a:rPr lang="en-IN" sz="800" dirty="0">
+                <a:latin typeface="Verdana" panose="020B0604030504040204" pitchFamily="34" charset="0"/>
+                <a:ea typeface="Verdana" panose="020B0604030504040204" pitchFamily="34" charset="0"/>
+              </a:rPr>
+              <a:t>" value="localhost" /&gt;</a:t>
+            </a:r>
+          </a:p>
+          <a:p>
+            <a:pPr marL="0" indent="0">
+              <a:buNone/>
+            </a:pPr>
+            <a:r>
+              <a:rPr lang="en-IN" sz="800" dirty="0">
+                <a:latin typeface="Verdana" panose="020B0604030504040204" pitchFamily="34" charset="0"/>
+                <a:ea typeface="Verdana" panose="020B0604030504040204" pitchFamily="34" charset="0"/>
+              </a:rPr>
+              <a:t>        &lt;parameter name="</a:t>
+            </a:r>
+            <a:r>
+              <a:rPr lang="en-IN" sz="800" dirty="0" err="1">
+                <a:latin typeface="Verdana" panose="020B0604030504040204" pitchFamily="34" charset="0"/>
+                <a:ea typeface="Verdana" panose="020B0604030504040204" pitchFamily="34" charset="0"/>
+              </a:rPr>
+              <a:t>selenium.browser</a:t>
+            </a:r>
+            <a:r>
+              <a:rPr lang="en-IN" sz="800" dirty="0">
+                <a:latin typeface="Verdana" panose="020B0604030504040204" pitchFamily="34" charset="0"/>
+                <a:ea typeface="Verdana" panose="020B0604030504040204" pitchFamily="34" charset="0"/>
+              </a:rPr>
+              <a:t>" value="chrome" /&gt;</a:t>
+            </a:r>
+          </a:p>
+          <a:p>
+            <a:pPr marL="0" indent="0">
+              <a:buNone/>
+            </a:pPr>
+            <a:r>
+              <a:rPr lang="en-IN" sz="800" dirty="0">
+                <a:latin typeface="Verdana" panose="020B0604030504040204" pitchFamily="34" charset="0"/>
+                <a:ea typeface="Verdana" panose="020B0604030504040204" pitchFamily="34" charset="0"/>
+              </a:rPr>
+              <a:t>        &lt;parameter name="</a:t>
+            </a:r>
+            <a:r>
+              <a:rPr lang="en-IN" sz="800" dirty="0" err="1">
+                <a:latin typeface="Verdana" panose="020B0604030504040204" pitchFamily="34" charset="0"/>
+                <a:ea typeface="Verdana" panose="020B0604030504040204" pitchFamily="34" charset="0"/>
+              </a:rPr>
+              <a:t>selenium.testClassNameHere</a:t>
+            </a:r>
+            <a:r>
+              <a:rPr lang="en-IN" sz="800" dirty="0">
+                <a:latin typeface="Verdana" panose="020B0604030504040204" pitchFamily="34" charset="0"/>
+                <a:ea typeface="Verdana" panose="020B0604030504040204" pitchFamily="34" charset="0"/>
+              </a:rPr>
+              <a:t>" value="</a:t>
+            </a:r>
+            <a:r>
+              <a:rPr lang="en-IN" sz="800" dirty="0" err="1">
+                <a:latin typeface="Verdana" panose="020B0604030504040204" pitchFamily="34" charset="0"/>
+                <a:ea typeface="Verdana" panose="020B0604030504040204" pitchFamily="34" charset="0"/>
+              </a:rPr>
+              <a:t>AcceptanceTests.LoginPageTests</a:t>
+            </a:r>
+            <a:r>
+              <a:rPr lang="en-IN" sz="800" dirty="0">
+                <a:latin typeface="Verdana" panose="020B0604030504040204" pitchFamily="34" charset="0"/>
+                <a:ea typeface="Verdana" panose="020B0604030504040204" pitchFamily="34" charset="0"/>
+              </a:rPr>
+              <a:t>" /&gt;</a:t>
+            </a:r>
+          </a:p>
+          <a:p>
+            <a:pPr marL="0" indent="0">
+              <a:buNone/>
+            </a:pPr>
+            <a:r>
+              <a:rPr lang="en-IN" sz="800" dirty="0">
+                <a:latin typeface="Verdana" panose="020B0604030504040204" pitchFamily="34" charset="0"/>
+                <a:ea typeface="Verdana" panose="020B0604030504040204" pitchFamily="34" charset="0"/>
+              </a:rPr>
+              <a:t>        &lt;classes&gt;</a:t>
+            </a:r>
+          </a:p>
+          <a:p>
+            <a:pPr marL="0" indent="0">
+              <a:buNone/>
+            </a:pPr>
+            <a:r>
+              <a:rPr lang="en-IN" sz="800" dirty="0">
+                <a:latin typeface="Verdana" panose="020B0604030504040204" pitchFamily="34" charset="0"/>
+                <a:ea typeface="Verdana" panose="020B0604030504040204" pitchFamily="34" charset="0"/>
+              </a:rPr>
+              <a:t>            &lt;class name="</a:t>
+            </a:r>
+            <a:r>
+              <a:rPr lang="en-IN" sz="800" dirty="0" err="1">
+                <a:latin typeface="Verdana" panose="020B0604030504040204" pitchFamily="34" charset="0"/>
+                <a:ea typeface="Verdana" panose="020B0604030504040204" pitchFamily="34" charset="0"/>
+              </a:rPr>
+              <a:t>qaautomation.AcceptanceTests.LoginPageTests</a:t>
+            </a:r>
+            <a:r>
+              <a:rPr lang="en-IN" sz="800" dirty="0">
+                <a:latin typeface="Verdana" panose="020B0604030504040204" pitchFamily="34" charset="0"/>
+                <a:ea typeface="Verdana" panose="020B0604030504040204" pitchFamily="34" charset="0"/>
+              </a:rPr>
+              <a:t>" /&gt;</a:t>
+            </a:r>
+          </a:p>
+          <a:p>
+            <a:pPr marL="0" indent="0">
+              <a:buNone/>
+            </a:pPr>
+            <a:r>
+              <a:rPr lang="en-IN" sz="800" dirty="0">
+                <a:latin typeface="Verdana" panose="020B0604030504040204" pitchFamily="34" charset="0"/>
+                <a:ea typeface="Verdana" panose="020B0604030504040204" pitchFamily="34" charset="0"/>
+              </a:rPr>
+              <a:t>        &lt;/classes&gt;</a:t>
+            </a:r>
+          </a:p>
+          <a:p>
+            <a:pPr marL="0" indent="0">
+              <a:buNone/>
+            </a:pPr>
+            <a:r>
+              <a:rPr lang="en-IN" sz="800" dirty="0">
+                <a:latin typeface="Verdana" panose="020B0604030504040204" pitchFamily="34" charset="0"/>
+                <a:ea typeface="Verdana" panose="020B0604030504040204" pitchFamily="34" charset="0"/>
+              </a:rPr>
+              <a:t>    &lt;/test&gt;</a:t>
+            </a:r>
+          </a:p>
+          <a:p>
+            <a:pPr marL="0" indent="0">
+              <a:buNone/>
+            </a:pPr>
+            <a:r>
+              <a:rPr lang="en-IN" sz="800" dirty="0">
+                <a:latin typeface="Verdana" panose="020B0604030504040204" pitchFamily="34" charset="0"/>
+                <a:ea typeface="Verdana" panose="020B0604030504040204" pitchFamily="34" charset="0"/>
+              </a:rPr>
+              <a:t>    &lt;test name="Error Reporting Tests" preserve-order="true"&gt;</a:t>
+            </a:r>
+          </a:p>
+          <a:p>
+            <a:pPr marL="0" indent="0">
+              <a:buNone/>
+            </a:pPr>
+            <a:r>
+              <a:rPr lang="en-IN" sz="800" dirty="0">
+                <a:latin typeface="Verdana" panose="020B0604030504040204" pitchFamily="34" charset="0"/>
+                <a:ea typeface="Verdana" panose="020B0604030504040204" pitchFamily="34" charset="0"/>
+              </a:rPr>
+              <a:t>        &lt;parameter name="</a:t>
+            </a:r>
+            <a:r>
+              <a:rPr lang="en-IN" sz="800" dirty="0" err="1">
+                <a:latin typeface="Verdana" panose="020B0604030504040204" pitchFamily="34" charset="0"/>
+                <a:ea typeface="Verdana" panose="020B0604030504040204" pitchFamily="34" charset="0"/>
+              </a:rPr>
+              <a:t>selenium.OS</a:t>
+            </a:r>
+            <a:r>
+              <a:rPr lang="en-IN" sz="800" dirty="0">
+                <a:latin typeface="Verdana" panose="020B0604030504040204" pitchFamily="34" charset="0"/>
+                <a:ea typeface="Verdana" panose="020B0604030504040204" pitchFamily="34" charset="0"/>
+              </a:rPr>
+              <a:t>" value="localhost" /&gt;</a:t>
+            </a:r>
+          </a:p>
+          <a:p>
+            <a:pPr marL="0" indent="0">
+              <a:buNone/>
+            </a:pPr>
+            <a:r>
+              <a:rPr lang="en-IN" sz="800" dirty="0">
+                <a:latin typeface="Verdana" panose="020B0604030504040204" pitchFamily="34" charset="0"/>
+                <a:ea typeface="Verdana" panose="020B0604030504040204" pitchFamily="34" charset="0"/>
+              </a:rPr>
+              <a:t>        &lt;parameter name="</a:t>
+            </a:r>
+            <a:r>
+              <a:rPr lang="en-IN" sz="800" dirty="0" err="1">
+                <a:latin typeface="Verdana" panose="020B0604030504040204" pitchFamily="34" charset="0"/>
+                <a:ea typeface="Verdana" panose="020B0604030504040204" pitchFamily="34" charset="0"/>
+              </a:rPr>
+              <a:t>selenium.browser</a:t>
+            </a:r>
+            <a:r>
+              <a:rPr lang="en-IN" sz="800" dirty="0">
+                <a:latin typeface="Verdana" panose="020B0604030504040204" pitchFamily="34" charset="0"/>
+                <a:ea typeface="Verdana" panose="020B0604030504040204" pitchFamily="34" charset="0"/>
+              </a:rPr>
+              <a:t>" value="chrome" /&gt;</a:t>
+            </a:r>
+          </a:p>
+          <a:p>
+            <a:pPr marL="0" indent="0">
+              <a:buNone/>
+            </a:pPr>
+            <a:r>
+              <a:rPr lang="en-IN" sz="800" dirty="0">
+                <a:latin typeface="Verdana" panose="020B0604030504040204" pitchFamily="34" charset="0"/>
+                <a:ea typeface="Verdana" panose="020B0604030504040204" pitchFamily="34" charset="0"/>
+              </a:rPr>
+              <a:t>       &lt;parameter name="</a:t>
+            </a:r>
+            <a:r>
+              <a:rPr lang="en-IN" sz="800" dirty="0" err="1">
+                <a:latin typeface="Verdana" panose="020B0604030504040204" pitchFamily="34" charset="0"/>
+                <a:ea typeface="Verdana" panose="020B0604030504040204" pitchFamily="34" charset="0"/>
+              </a:rPr>
+              <a:t>selenium.testClassNameHere</a:t>
+            </a:r>
+            <a:r>
+              <a:rPr lang="en-IN" sz="800" dirty="0">
+                <a:latin typeface="Verdana" panose="020B0604030504040204" pitchFamily="34" charset="0"/>
+                <a:ea typeface="Verdana" panose="020B0604030504040204" pitchFamily="34" charset="0"/>
+              </a:rPr>
+              <a:t>" value="</a:t>
+            </a:r>
+            <a:r>
+              <a:rPr lang="en-IN" sz="800" dirty="0" err="1">
+                <a:latin typeface="Verdana" panose="020B0604030504040204" pitchFamily="34" charset="0"/>
+                <a:ea typeface="Verdana" panose="020B0604030504040204" pitchFamily="34" charset="0"/>
+              </a:rPr>
+              <a:t>AcceptanceTests.ErrorReportingTests</a:t>
+            </a:r>
+            <a:r>
+              <a:rPr lang="en-IN" sz="800" dirty="0">
+                <a:latin typeface="Verdana" panose="020B0604030504040204" pitchFamily="34" charset="0"/>
+                <a:ea typeface="Verdana" panose="020B0604030504040204" pitchFamily="34" charset="0"/>
+              </a:rPr>
+              <a:t>" /&gt;</a:t>
+            </a:r>
+          </a:p>
+          <a:p>
+            <a:pPr marL="0" indent="0">
+              <a:buNone/>
+            </a:pPr>
+            <a:r>
+              <a:rPr lang="en-IN" sz="800" dirty="0">
+                <a:latin typeface="Verdana" panose="020B0604030504040204" pitchFamily="34" charset="0"/>
+                <a:ea typeface="Verdana" panose="020B0604030504040204" pitchFamily="34" charset="0"/>
+              </a:rPr>
+              <a:t>         &lt;classes&gt;</a:t>
+            </a:r>
+          </a:p>
+          <a:p>
+            <a:pPr marL="0" indent="0">
+              <a:buNone/>
+            </a:pPr>
+            <a:r>
+              <a:rPr lang="en-IN" sz="800" dirty="0">
+                <a:latin typeface="Verdana" panose="020B0604030504040204" pitchFamily="34" charset="0"/>
+                <a:ea typeface="Verdana" panose="020B0604030504040204" pitchFamily="34" charset="0"/>
+              </a:rPr>
+              <a:t>            &lt;class name="</a:t>
+            </a:r>
+            <a:r>
+              <a:rPr lang="en-IN" sz="800" dirty="0" err="1">
+                <a:latin typeface="Verdana" panose="020B0604030504040204" pitchFamily="34" charset="0"/>
+                <a:ea typeface="Verdana" panose="020B0604030504040204" pitchFamily="34" charset="0"/>
+              </a:rPr>
+              <a:t>qaautomation.AcceptanceTests.ErrorReportingTests</a:t>
+            </a:r>
+            <a:r>
+              <a:rPr lang="en-IN" sz="800" dirty="0">
+                <a:latin typeface="Verdana" panose="020B0604030504040204" pitchFamily="34" charset="0"/>
+                <a:ea typeface="Verdana" panose="020B0604030504040204" pitchFamily="34" charset="0"/>
+              </a:rPr>
+              <a:t>" /&gt;</a:t>
+            </a:r>
+          </a:p>
+          <a:p>
+            <a:pPr marL="0" indent="0">
+              <a:buNone/>
+            </a:pPr>
+            <a:r>
+              <a:rPr lang="en-IN" sz="800" dirty="0">
+                <a:latin typeface="Verdana" panose="020B0604030504040204" pitchFamily="34" charset="0"/>
+                <a:ea typeface="Verdana" panose="020B0604030504040204" pitchFamily="34" charset="0"/>
+              </a:rPr>
+              <a:t>        &lt;/classes&gt;</a:t>
+            </a:r>
+          </a:p>
+          <a:p>
+            <a:pPr marL="0" indent="0">
+              <a:buNone/>
+            </a:pPr>
+            <a:r>
+              <a:rPr lang="en-IN" sz="800" dirty="0">
+                <a:latin typeface="Verdana" panose="020B0604030504040204" pitchFamily="34" charset="0"/>
+                <a:ea typeface="Verdana" panose="020B0604030504040204" pitchFamily="34" charset="0"/>
+              </a:rPr>
+              <a:t>    &lt;/test&gt;</a:t>
+            </a:r>
+          </a:p>
+          <a:p>
+            <a:pPr marL="0" indent="0">
+              <a:buNone/>
+            </a:pPr>
+            <a:r>
+              <a:rPr lang="en-IN" sz="800" dirty="0">
+                <a:latin typeface="Verdana" panose="020B0604030504040204" pitchFamily="34" charset="0"/>
+                <a:ea typeface="Verdana" panose="020B0604030504040204" pitchFamily="34" charset="0"/>
+              </a:rPr>
+              <a:t>&lt;/suite&gt; </a:t>
+            </a:r>
+            <a:endParaRPr lang="en-IN" sz="800" dirty="0"/>
+          </a:p>
+        </p:txBody>
+      </p:sp>
+      <p:sp>
+        <p:nvSpPr>
+          <p:cNvPr id="4" name="Slide Number Placeholder 3">
+            <a:extLst>
+              <a:ext uri="{FF2B5EF4-FFF2-40B4-BE49-F238E27FC236}">
+                <a16:creationId xmlns:a16="http://schemas.microsoft.com/office/drawing/2014/main" id="{EBC5A6C3-8299-4349-8168-B462212D65DF}"/>
+              </a:ext>
+            </a:extLst>
+          </p:cNvPr>
+          <p:cNvSpPr>
+            <a:spLocks noGrp="1"/>
+          </p:cNvSpPr>
+          <p:nvPr>
+            <p:ph type="sldNum" sz="quarter" idx="10"/>
+          </p:nvPr>
+        </p:nvSpPr>
+        <p:spPr/>
+        <p:txBody>
+          <a:bodyPr/>
+          <a:lstStyle/>
+          <a:p>
+            <a:fld id="{37DCC62F-39B4-45A1-8204-04A5213EB8F5}" type="slidenum">
+              <a:rPr lang="en-US" smtClean="0">
+                <a:solidFill>
+                  <a:srgbClr val="000000"/>
+                </a:solidFill>
+              </a:rPr>
+              <a:pPr/>
+              <a:t>6</a:t>
+            </a:fld>
+            <a:endParaRPr lang="en-US">
+              <a:solidFill>
+                <a:srgbClr val="000000"/>
+              </a:solidFill>
+            </a:endParaRPr>
+          </a:p>
+        </p:txBody>
+      </p:sp>
+    </p:spTree>
+    <p:extLst>
+      <p:ext uri="{BB962C8B-B14F-4D97-AF65-F5344CB8AC3E}">
+        <p14:creationId xmlns:p14="http://schemas.microsoft.com/office/powerpoint/2010/main" val="1904041092"/>
+      </p:ext>
+    </p:extLst>
+  </p:cSld>
+  <p:clrMapOvr>
+    <a:masterClrMapping/>
+  </p:clrMapOvr>
+</p:sld>
+</file>
+
+<file path=ppt/slides/slide7.xml><?xml version="1.0" encoding="utf-8"?>
+<p:sld xmlns:a="http://schemas.openxmlformats.org/drawingml/2006/main" xmlns:r="http://schemas.openxmlformats.org/officeDocument/2006/relationships" xmlns:p="http://schemas.openxmlformats.org/presentationml/2006/main">
+  <p:cSld>
+    <p:spTree>
+      <p:nvGrpSpPr>
+        <p:cNvPr id="1" name=""/>
+        <p:cNvGrpSpPr/>
+        <p:nvPr/>
+      </p:nvGrpSpPr>
+      <p:grpSpPr>
+        <a:xfrm>
+          <a:off x="0" y="0"/>
+          <a:ext cx="0" cy="0"/>
+          <a:chOff x="0" y="0"/>
+          <a:chExt cx="0" cy="0"/>
+        </a:xfrm>
+      </p:grpSpPr>
+      <p:sp>
+        <p:nvSpPr>
+          <p:cNvPr id="2" name="Title 1">
+            <a:extLst>
+              <a:ext uri="{FF2B5EF4-FFF2-40B4-BE49-F238E27FC236}">
+                <a16:creationId xmlns:a16="http://schemas.microsoft.com/office/drawing/2014/main" id="{B0DABBD7-4A91-49EB-B16E-4ACC1ED2E772}"/>
+              </a:ext>
+            </a:extLst>
+          </p:cNvPr>
+          <p:cNvSpPr>
+            <a:spLocks noGrp="1"/>
+          </p:cNvSpPr>
+          <p:nvPr>
+            <p:ph type="title"/>
+          </p:nvPr>
+        </p:nvSpPr>
+        <p:spPr/>
+        <p:txBody>
+          <a:bodyPr/>
+          <a:lstStyle/>
+          <a:p>
+            <a:r>
+              <a:rPr lang="en-IN" dirty="0"/>
+              <a:t>Change in existing Framework</a:t>
+            </a:r>
+          </a:p>
+        </p:txBody>
+      </p:sp>
+      <p:sp>
+        <p:nvSpPr>
+          <p:cNvPr id="4" name="Slide Number Placeholder 3">
+            <a:extLst>
+              <a:ext uri="{FF2B5EF4-FFF2-40B4-BE49-F238E27FC236}">
+                <a16:creationId xmlns:a16="http://schemas.microsoft.com/office/drawing/2014/main" id="{16F475BC-189D-4AAB-88CE-5C64B6A26391}"/>
+              </a:ext>
+            </a:extLst>
+          </p:cNvPr>
+          <p:cNvSpPr>
+            <a:spLocks noGrp="1"/>
+          </p:cNvSpPr>
+          <p:nvPr>
+            <p:ph type="sldNum" sz="quarter" idx="10"/>
+          </p:nvPr>
+        </p:nvSpPr>
+        <p:spPr/>
+        <p:txBody>
+          <a:bodyPr/>
+          <a:lstStyle/>
+          <a:p>
+            <a:fld id="{37DCC62F-39B4-45A1-8204-04A5213EB8F5}" type="slidenum">
+              <a:rPr lang="en-US" smtClean="0">
+                <a:solidFill>
+                  <a:srgbClr val="000000"/>
+                </a:solidFill>
+              </a:rPr>
+              <a:pPr/>
+              <a:t>7</a:t>
+            </a:fld>
+            <a:endParaRPr lang="en-US">
+              <a:solidFill>
+                <a:srgbClr val="000000"/>
+              </a:solidFill>
+            </a:endParaRPr>
+          </a:p>
+        </p:txBody>
+      </p:sp>
+      <p:sp>
+        <p:nvSpPr>
+          <p:cNvPr id="3" name="Content Placeholder 2">
+            <a:extLst>
+              <a:ext uri="{FF2B5EF4-FFF2-40B4-BE49-F238E27FC236}">
+                <a16:creationId xmlns:a16="http://schemas.microsoft.com/office/drawing/2014/main" id="{93FF75A6-A37E-4102-B811-B949AE235ABE}"/>
+              </a:ext>
+            </a:extLst>
+          </p:cNvPr>
+          <p:cNvSpPr>
+            <a:spLocks noGrp="1"/>
+          </p:cNvSpPr>
+          <p:nvPr>
+            <p:ph idx="1"/>
+          </p:nvPr>
+        </p:nvSpPr>
+        <p:spPr>
+          <a:xfrm>
+            <a:off x="457200" y="1252538"/>
+            <a:ext cx="7815263" cy="3933384"/>
+          </a:xfrm>
+        </p:spPr>
+        <p:txBody>
+          <a:bodyPr/>
+          <a:lstStyle/>
+          <a:p>
+            <a:r>
+              <a:rPr lang="en-IN" dirty="0"/>
+              <a:t>Following </a:t>
+            </a:r>
+            <a:r>
+              <a:rPr lang="en-IN" dirty="0" err="1"/>
+              <a:t>Jsystem</a:t>
+            </a:r>
+            <a:r>
+              <a:rPr lang="en-IN" dirty="0"/>
+              <a:t> </a:t>
+            </a:r>
+            <a:r>
+              <a:rPr lang="en-IN" dirty="0" err="1"/>
+              <a:t>attaributes</a:t>
+            </a:r>
+            <a:r>
+              <a:rPr lang="en-IN" dirty="0"/>
+              <a:t> will be replaced by TestNG framework for the parallel execution.</a:t>
+            </a:r>
+          </a:p>
+          <a:p>
+            <a:pPr marL="0" indent="0">
+              <a:buNone/>
+            </a:pPr>
+            <a:r>
+              <a:rPr lang="en-IN" dirty="0"/>
+              <a:t>      1.Annotation</a:t>
+            </a:r>
+          </a:p>
+          <a:p>
+            <a:pPr marL="0" indent="0">
+              <a:buNone/>
+            </a:pPr>
+            <a:r>
+              <a:rPr lang="en-IN" dirty="0"/>
+              <a:t>      2.Reporting statements</a:t>
+            </a:r>
+          </a:p>
+          <a:p>
+            <a:pPr marL="0" indent="0">
+              <a:buNone/>
+            </a:pPr>
+            <a:r>
+              <a:rPr lang="en-IN" dirty="0"/>
+              <a:t>      3.Scenario xml files</a:t>
+            </a:r>
+          </a:p>
+          <a:p>
+            <a:pPr marL="0" indent="0">
+              <a:buNone/>
+            </a:pPr>
+            <a:r>
+              <a:rPr lang="en-IN" dirty="0"/>
+              <a:t>      4.Input parameters to test formats</a:t>
+            </a:r>
+          </a:p>
+          <a:p>
+            <a:pPr marL="0" indent="0">
+              <a:buNone/>
+            </a:pPr>
+            <a:r>
+              <a:rPr lang="en-IN" dirty="0"/>
+              <a:t>      5.Sut file will be replaced by properties files.</a:t>
+            </a:r>
+          </a:p>
+          <a:p>
+            <a:pPr marL="0" indent="0">
+              <a:buNone/>
+            </a:pPr>
+            <a:r>
+              <a:rPr lang="en-IN" dirty="0"/>
+              <a:t>       </a:t>
+            </a:r>
+          </a:p>
+        </p:txBody>
+      </p:sp>
+    </p:spTree>
+    <p:extLst>
+      <p:ext uri="{BB962C8B-B14F-4D97-AF65-F5344CB8AC3E}">
+        <p14:creationId xmlns:p14="http://schemas.microsoft.com/office/powerpoint/2010/main" val="906387061"/>
+      </p:ext>
+    </p:extLst>
+  </p:cSld>
+  <p:clrMapOvr>
+    <a:masterClrMapping/>
+  </p:clrMapOvr>
+</p:sld>
+</file>
+
+<file path=ppt/slides/slide8.xml><?xml version="1.0" encoding="utf-8"?>
+<p:sld xmlns:a="http://schemas.openxmlformats.org/drawingml/2006/main" xmlns:r="http://schemas.openxmlformats.org/officeDocument/2006/relationships" xmlns:p="http://schemas.openxmlformats.org/presentationml/2006/main">
+  <p:cSld>
+    <p:spTree>
+      <p:nvGrpSpPr>
+        <p:cNvPr id="1" name=""/>
+        <p:cNvGrpSpPr/>
+        <p:nvPr/>
+      </p:nvGrpSpPr>
+      <p:grpSpPr>
+        <a:xfrm>
+          <a:off x="0" y="0"/>
+          <a:ext cx="0" cy="0"/>
+          <a:chOff x="0" y="0"/>
+          <a:chExt cx="0" cy="0"/>
+        </a:xfrm>
+      </p:grpSpPr>
+      <p:sp>
+        <p:nvSpPr>
+          <p:cNvPr id="2" name="Title 1">
+            <a:extLst>
+              <a:ext uri="{FF2B5EF4-FFF2-40B4-BE49-F238E27FC236}">
+                <a16:creationId xmlns:a16="http://schemas.microsoft.com/office/drawing/2014/main" id="{5FF34126-8D08-4E38-9B94-BABF96297917}"/>
+              </a:ext>
+            </a:extLst>
+          </p:cNvPr>
+          <p:cNvSpPr>
+            <a:spLocks noGrp="1"/>
+          </p:cNvSpPr>
+          <p:nvPr>
+            <p:ph type="title"/>
+          </p:nvPr>
+        </p:nvSpPr>
+        <p:spPr/>
+        <p:txBody>
+          <a:bodyPr/>
+          <a:lstStyle/>
+          <a:p>
+            <a:r>
+              <a:rPr lang="en-IN" dirty="0"/>
+              <a:t>Shortcomings</a:t>
+            </a:r>
+          </a:p>
+        </p:txBody>
+      </p:sp>
+      <p:sp>
+        <p:nvSpPr>
+          <p:cNvPr id="3" name="Content Placeholder 2">
+            <a:extLst>
+              <a:ext uri="{FF2B5EF4-FFF2-40B4-BE49-F238E27FC236}">
+                <a16:creationId xmlns:a16="http://schemas.microsoft.com/office/drawing/2014/main" id="{F35C333E-4C50-434D-8B16-695E39C1F0E1}"/>
+              </a:ext>
+            </a:extLst>
+          </p:cNvPr>
+          <p:cNvSpPr>
+            <a:spLocks noGrp="1"/>
+          </p:cNvSpPr>
+          <p:nvPr>
+            <p:ph idx="1"/>
+          </p:nvPr>
+        </p:nvSpPr>
+        <p:spPr>
+          <a:xfrm>
+            <a:off x="457200" y="1252538"/>
+            <a:ext cx="7815263" cy="4782848"/>
+          </a:xfrm>
+        </p:spPr>
+        <p:txBody>
+          <a:bodyPr/>
+          <a:lstStyle/>
+          <a:p>
+            <a:r>
+              <a:rPr lang="en-IN" dirty="0"/>
+              <a:t>Like </a:t>
+            </a:r>
+            <a:r>
+              <a:rPr lang="en-IN" dirty="0" err="1"/>
+              <a:t>Jsystem</a:t>
+            </a:r>
+            <a:r>
+              <a:rPr lang="en-IN" dirty="0"/>
+              <a:t> TestNG doesn’t have </a:t>
+            </a:r>
+            <a:r>
+              <a:rPr lang="en-IN" dirty="0" err="1"/>
+              <a:t>gui</a:t>
+            </a:r>
+            <a:r>
+              <a:rPr lang="en-IN" dirty="0"/>
+              <a:t> for scenario creation and to provide the </a:t>
+            </a:r>
+            <a:r>
+              <a:rPr lang="en-IN" dirty="0" err="1"/>
+              <a:t>parameters.that</a:t>
+            </a:r>
+            <a:r>
+              <a:rPr lang="en-IN" dirty="0"/>
+              <a:t> we will need to build in future for usability.</a:t>
+            </a:r>
+          </a:p>
+          <a:p>
+            <a:r>
+              <a:rPr lang="en-IN" dirty="0"/>
+              <a:t>TestNG inbuilt report Is not quite mature so we need to leverage the </a:t>
+            </a:r>
+            <a:r>
+              <a:rPr lang="en-IN" dirty="0" err="1"/>
+              <a:t>Jsystem</a:t>
+            </a:r>
+            <a:r>
+              <a:rPr lang="en-IN" dirty="0"/>
+              <a:t> existing </a:t>
+            </a:r>
+            <a:r>
+              <a:rPr lang="en-IN" dirty="0" err="1"/>
+              <a:t>difido</a:t>
+            </a:r>
+            <a:r>
+              <a:rPr lang="en-IN" dirty="0"/>
+              <a:t> reports which provides the below facilities</a:t>
+            </a:r>
+          </a:p>
+          <a:p>
+            <a:pPr lvl="1">
+              <a:buFont typeface="Arial" panose="020B0604020202020204" pitchFamily="34" charset="0"/>
+              <a:buChar char="•"/>
+            </a:pPr>
+            <a:r>
+              <a:rPr lang="en-IN" dirty="0"/>
+              <a:t>     logging</a:t>
+            </a:r>
+          </a:p>
+          <a:p>
+            <a:pPr lvl="1">
+              <a:buFont typeface="Arial" panose="020B0604020202020204" pitchFamily="34" charset="0"/>
+              <a:buChar char="•"/>
+            </a:pPr>
+            <a:r>
+              <a:rPr lang="en-IN" dirty="0"/>
+              <a:t>     links</a:t>
+            </a:r>
+          </a:p>
+          <a:p>
+            <a:pPr lvl="1">
+              <a:buFont typeface="Arial" panose="020B0604020202020204" pitchFamily="34" charset="0"/>
+              <a:buChar char="•"/>
+            </a:pPr>
+            <a:r>
+              <a:rPr lang="en-IN" dirty="0"/>
+              <a:t>     inserting tables</a:t>
+            </a:r>
+          </a:p>
+          <a:p>
+            <a:pPr marL="0" indent="0">
+              <a:buNone/>
+            </a:pPr>
+            <a:r>
+              <a:rPr lang="en-IN" dirty="0"/>
+              <a:t>     or extent reports can be used.</a:t>
+            </a:r>
+          </a:p>
+          <a:p>
+            <a:endParaRPr lang="en-IN" dirty="0"/>
+          </a:p>
+        </p:txBody>
+      </p:sp>
+      <p:sp>
+        <p:nvSpPr>
+          <p:cNvPr id="4" name="Slide Number Placeholder 3">
+            <a:extLst>
+              <a:ext uri="{FF2B5EF4-FFF2-40B4-BE49-F238E27FC236}">
+                <a16:creationId xmlns:a16="http://schemas.microsoft.com/office/drawing/2014/main" id="{83CF00E3-466B-463F-BA2F-380F26C1E491}"/>
+              </a:ext>
+            </a:extLst>
+          </p:cNvPr>
+          <p:cNvSpPr>
+            <a:spLocks noGrp="1"/>
+          </p:cNvSpPr>
+          <p:nvPr>
+            <p:ph type="sldNum" sz="quarter" idx="10"/>
+          </p:nvPr>
+        </p:nvSpPr>
+        <p:spPr/>
+        <p:txBody>
+          <a:bodyPr/>
+          <a:lstStyle/>
+          <a:p>
+            <a:fld id="{37DCC62F-39B4-45A1-8204-04A5213EB8F5}" type="slidenum">
+              <a:rPr lang="en-US" smtClean="0">
+                <a:solidFill>
+                  <a:srgbClr val="000000"/>
+                </a:solidFill>
+              </a:rPr>
+              <a:pPr/>
+              <a:t>8</a:t>
+            </a:fld>
+            <a:endParaRPr lang="en-US">
+              <a:solidFill>
+                <a:srgbClr val="000000"/>
+              </a:solidFill>
+            </a:endParaRPr>
+          </a:p>
+        </p:txBody>
+      </p:sp>
+    </p:spTree>
+    <p:extLst>
+      <p:ext uri="{BB962C8B-B14F-4D97-AF65-F5344CB8AC3E}">
+        <p14:creationId xmlns:p14="http://schemas.microsoft.com/office/powerpoint/2010/main" val="3749575889"/>
+      </p:ext>
+    </p:extLst>
+  </p:cSld>
+  <p:clrMapOvr>
+    <a:masterClrMapping/>
+  </p:clrMapOvr>
+</p:sld>
+</file>
+
+<file path=ppt/slides/slide9.xml><?xml version="1.0" encoding="utf-8"?>
 <p:sld xmlns:a="http://schemas.openxmlformats.org/drawingml/2006/main" xmlns:r="http://schemas.openxmlformats.org/officeDocument/2006/relationships" xmlns:p="http://schemas.openxmlformats.org/presentationml/2006/main">
   <p:cSld>
     <p:spTree>
@@ -5746,7 +7655,7 @@
                 </a:solidFill>
               </a:rPr>
               <a:pPr/>
-              <a:t>6</a:t>
+              <a:t>9</a:t>
             </a:fld>
             <a:endParaRPr lang="en-US">
               <a:solidFill>

--- a/AQAFrameworkRestructure.pptx
+++ b/AQAFrameworkRestructure.pptx
@@ -5711,8 +5711,8 @@
         </p:nvSpPr>
         <p:spPr>
           <a:xfrm>
-            <a:off x="620217" y="1143000"/>
-            <a:ext cx="6181725" cy="3508653"/>
+            <a:off x="685800" y="1143000"/>
+            <a:ext cx="7696200" cy="4524315"/>
           </a:xfrm>
           <a:prstGeom prst="rect">
             <a:avLst/>
@@ -5726,23 +5726,23 @@
           <a:lstStyle/>
           <a:p>
             <a:r>
-              <a:rPr lang="en-IN" sz="1200" dirty="0">
-                <a:latin typeface="Verdana" panose="020B0604030504040204" pitchFamily="34" charset="0"/>
+              <a:rPr lang="en-IN" sz="1600" dirty="0">
+                <a:latin typeface="Avenir 45 Book"/>
                 <a:ea typeface="Verdana" panose="020B0604030504040204" pitchFamily="34" charset="0"/>
               </a:rPr>
               <a:t>There are 2 ways to create ESA catalogues:</a:t>
             </a:r>
           </a:p>
           <a:p>
-            <a:endParaRPr lang="en-IN" sz="1200" dirty="0">
-              <a:latin typeface="Verdana" panose="020B0604030504040204" pitchFamily="34" charset="0"/>
+            <a:endParaRPr lang="en-IN" sz="1600" dirty="0">
+              <a:latin typeface="Avenir 45 Book"/>
               <a:ea typeface="Verdana" panose="020B0604030504040204" pitchFamily="34" charset="0"/>
             </a:endParaRPr>
           </a:p>
           <a:p>
             <a:r>
-              <a:rPr lang="en-IN" sz="1200" dirty="0">
-                <a:latin typeface="Verdana" panose="020B0604030504040204" pitchFamily="34" charset="0"/>
+              <a:rPr lang="en-IN" sz="1600" dirty="0">
+                <a:latin typeface="Avenir 45 Book"/>
                 <a:ea typeface="Verdana" panose="020B0604030504040204" pitchFamily="34" charset="0"/>
               </a:rPr>
               <a:t>1.  Create using Ansible. It will include:</a:t>
@@ -5754,8 +5754,8 @@
               <a:buChar char="•"/>
             </a:pPr>
             <a:r>
-              <a:rPr lang="en-IN" sz="1200" dirty="0">
-                <a:latin typeface="Verdana" panose="020B0604030504040204" pitchFamily="34" charset="0"/>
+              <a:rPr lang="en-IN" sz="1600" dirty="0">
+                <a:latin typeface="Avenir 45 Book"/>
                 <a:ea typeface="Verdana" panose="020B0604030504040204" pitchFamily="34" charset="0"/>
               </a:rPr>
               <a:t>Machine creation</a:t>
@@ -5767,8 +5767,8 @@
               <a:buChar char="•"/>
             </a:pPr>
             <a:r>
-              <a:rPr lang="en-IN" sz="1200" dirty="0">
-                <a:latin typeface="Verdana" panose="020B0604030504040204" pitchFamily="34" charset="0"/>
+              <a:rPr lang="en-IN" sz="1600" dirty="0">
+                <a:latin typeface="Avenir 45 Book"/>
                 <a:ea typeface="Verdana" panose="020B0604030504040204" pitchFamily="34" charset="0"/>
               </a:rPr>
               <a:t>Patch application</a:t>
@@ -5780,23 +5780,23 @@
               <a:buChar char="•"/>
             </a:pPr>
             <a:r>
-              <a:rPr lang="en-IN" sz="1200" dirty="0">
-                <a:latin typeface="Verdana" panose="020B0604030504040204" pitchFamily="34" charset="0"/>
+              <a:rPr lang="en-IN" sz="1600" dirty="0">
+                <a:latin typeface="Avenir 45 Book"/>
                 <a:ea typeface="Verdana" panose="020B0604030504040204" pitchFamily="34" charset="0"/>
               </a:rPr>
               <a:t>Python and other required software installation</a:t>
             </a:r>
           </a:p>
           <a:p>
-            <a:endParaRPr lang="en-IN" sz="1200" dirty="0">
-              <a:latin typeface="Verdana" panose="020B0604030504040204" pitchFamily="34" charset="0"/>
+            <a:endParaRPr lang="en-IN" sz="1600" dirty="0">
+              <a:latin typeface="Avenir 45 Book"/>
               <a:ea typeface="Verdana" panose="020B0604030504040204" pitchFamily="34" charset="0"/>
             </a:endParaRPr>
           </a:p>
           <a:p>
             <a:r>
-              <a:rPr lang="en-IN" sz="1200" dirty="0">
-                <a:latin typeface="Verdana" panose="020B0604030504040204" pitchFamily="34" charset="0"/>
+              <a:rPr lang="en-IN" sz="1600" dirty="0">
+                <a:latin typeface="Avenir 45 Book"/>
                 <a:ea typeface="Verdana" panose="020B0604030504040204" pitchFamily="34" charset="0"/>
               </a:rPr>
               <a:t>Following steps will be done by automation</a:t>
@@ -5808,8 +5808,8 @@
               <a:buChar char="•"/>
             </a:pPr>
             <a:r>
-              <a:rPr lang="en-IN" sz="1200" dirty="0">
-                <a:latin typeface="Verdana" panose="020B0604030504040204" pitchFamily="34" charset="0"/>
+              <a:rPr lang="en-IN" sz="1600" dirty="0">
+                <a:latin typeface="Avenir 45 Book"/>
                 <a:ea typeface="Verdana" panose="020B0604030504040204" pitchFamily="34" charset="0"/>
               </a:rPr>
               <a:t>Data element /roles/user creation </a:t>
@@ -5821,8 +5821,8 @@
               <a:buChar char="•"/>
             </a:pPr>
             <a:r>
-              <a:rPr lang="en-IN" sz="1200" dirty="0">
-                <a:latin typeface="Verdana" panose="020B0604030504040204" pitchFamily="34" charset="0"/>
+              <a:rPr lang="en-IN" sz="1600" dirty="0">
+                <a:latin typeface="Avenir 45 Book"/>
                 <a:ea typeface="Verdana" panose="020B0604030504040204" pitchFamily="34" charset="0"/>
               </a:rPr>
               <a:t>Policy creation</a:t>
@@ -5830,54 +5830,58 @@
           </a:p>
           <a:p>
             <a:r>
-              <a:rPr lang="en-IN" dirty="0"/>
+              <a:rPr lang="en-IN" sz="1600" dirty="0">
+                <a:latin typeface="Avenir 45 Book"/>
+              </a:rPr>
               <a:t> </a:t>
             </a:r>
           </a:p>
           <a:p>
             <a:r>
-              <a:rPr lang="en-IN" sz="1200" dirty="0">
-                <a:latin typeface="Verdana" panose="020B0604030504040204" pitchFamily="34" charset="0"/>
+              <a:rPr lang="en-IN" sz="1600" dirty="0">
+                <a:latin typeface="Avenir 45 Book"/>
                 <a:ea typeface="Verdana" panose="020B0604030504040204" pitchFamily="34" charset="0"/>
               </a:rPr>
               <a:t>2.Migrate the existing catalogues from </a:t>
             </a:r>
             <a:r>
-              <a:rPr lang="en-IN" sz="1200" dirty="0" err="1">
-                <a:latin typeface="Verdana" panose="020B0604030504040204" pitchFamily="34" charset="0"/>
+              <a:rPr lang="en-IN" sz="1600" dirty="0" err="1">
+                <a:latin typeface="Avenir 45 Book"/>
                 <a:ea typeface="Verdana" panose="020B0604030504040204" pitchFamily="34" charset="0"/>
               </a:rPr>
               <a:t>vCloud</a:t>
             </a:r>
             <a:r>
-              <a:rPr lang="en-IN" sz="1200" dirty="0">
-                <a:latin typeface="Verdana" panose="020B0604030504040204" pitchFamily="34" charset="0"/>
+              <a:rPr lang="en-IN" sz="1600" dirty="0">
+                <a:latin typeface="Avenir 45 Book"/>
                 <a:ea typeface="Verdana" panose="020B0604030504040204" pitchFamily="34" charset="0"/>
               </a:rPr>
               <a:t> and connect them using VPN.</a:t>
             </a:r>
           </a:p>
           <a:p>
-            <a:endParaRPr lang="en-IN" sz="1200" dirty="0"/>
-          </a:p>
-          <a:p>
-            <a:r>
-              <a:rPr lang="en-IN" sz="1200" dirty="0">
-                <a:latin typeface="Verdana" panose="020B0604030504040204" pitchFamily="34" charset="0"/>
+            <a:endParaRPr lang="en-IN" sz="1600" dirty="0">
+              <a:latin typeface="Avenir 45 Book"/>
+            </a:endParaRPr>
+          </a:p>
+          <a:p>
+            <a:r>
+              <a:rPr lang="en-IN" sz="1600" dirty="0">
+                <a:latin typeface="Avenir 45 Book"/>
                 <a:ea typeface="Verdana" panose="020B0604030504040204" pitchFamily="34" charset="0"/>
               </a:rPr>
               <a:t>Machine will be created from image/</a:t>
             </a:r>
             <a:r>
-              <a:rPr lang="en-IN" sz="1200" dirty="0" err="1">
-                <a:latin typeface="Verdana" panose="020B0604030504040204" pitchFamily="34" charset="0"/>
+              <a:rPr lang="en-IN" sz="1600" dirty="0" err="1">
+                <a:latin typeface="Avenir 45 Book"/>
                 <a:ea typeface="Verdana" panose="020B0604030504040204" pitchFamily="34" charset="0"/>
               </a:rPr>
               <a:t>vCloud</a:t>
             </a:r>
             <a:r>
-              <a:rPr lang="en-IN" sz="1200" dirty="0">
-                <a:latin typeface="Verdana" panose="020B0604030504040204" pitchFamily="34" charset="0"/>
+              <a:rPr lang="en-IN" sz="1600" dirty="0">
+                <a:latin typeface="Avenir 45 Book"/>
                 <a:ea typeface="Verdana" panose="020B0604030504040204" pitchFamily="34" charset="0"/>
               </a:rPr>
               <a:t> for below tasks:</a:t>
@@ -5889,18 +5893,11 @@
               <a:buChar char="•"/>
             </a:pPr>
             <a:r>
-              <a:rPr lang="en-IN" sz="800" dirty="0">
-                <a:latin typeface="Verdana" panose="020B0604030504040204" pitchFamily="34" charset="0"/>
+              <a:rPr lang="en-IN" sz="1600" dirty="0">
+                <a:latin typeface="Avenir 45 Book"/>
                 <a:ea typeface="Verdana" panose="020B0604030504040204" pitchFamily="34" charset="0"/>
               </a:rPr>
-              <a:t>   </a:t>
-            </a:r>
-            <a:r>
-              <a:rPr lang="en-IN" sz="1200" dirty="0">
-                <a:latin typeface="Verdana" panose="020B0604030504040204" pitchFamily="34" charset="0"/>
-                <a:ea typeface="Verdana" panose="020B0604030504040204" pitchFamily="34" charset="0"/>
-              </a:rPr>
-              <a:t>Regression execution by AQA</a:t>
+              <a:t>   Regression execution by AQA</a:t>
             </a:r>
           </a:p>
           <a:p>
@@ -5909,8 +5906,8 @@
               <a:buChar char="•"/>
             </a:pPr>
             <a:r>
-              <a:rPr lang="en-IN" sz="1200" dirty="0">
-                <a:latin typeface="Verdana" panose="020B0604030504040204" pitchFamily="34" charset="0"/>
+              <a:rPr lang="en-IN" sz="1600" dirty="0">
+                <a:latin typeface="Avenir 45 Book"/>
                 <a:ea typeface="Verdana" panose="020B0604030504040204" pitchFamily="34" charset="0"/>
               </a:rPr>
               <a:t>  AQA bugs testing/Sprint tasks.</a:t>
@@ -5922,8 +5919,8 @@
               <a:buChar char="•"/>
             </a:pPr>
             <a:r>
-              <a:rPr lang="en-IN" sz="1200" dirty="0">
-                <a:latin typeface="Verdana" panose="020B0604030504040204" pitchFamily="34" charset="0"/>
+              <a:rPr lang="en-IN" sz="1600" dirty="0">
+                <a:latin typeface="Avenir 45 Book"/>
                 <a:ea typeface="Verdana" panose="020B0604030504040204" pitchFamily="34" charset="0"/>
               </a:rPr>
               <a:t>  Certification</a:t>
@@ -5935,8 +5932,8 @@
               <a:buChar char="•"/>
             </a:pPr>
             <a:r>
-              <a:rPr lang="en-IN" sz="1200" dirty="0">
-                <a:latin typeface="Verdana" panose="020B0604030504040204" pitchFamily="34" charset="0"/>
+              <a:rPr lang="en-IN" sz="1600" dirty="0">
+                <a:latin typeface="Avenir 45 Book"/>
                 <a:ea typeface="Verdana" panose="020B0604030504040204" pitchFamily="34" charset="0"/>
               </a:rPr>
               <a:t>  CI execution on weekend batch</a:t>
@@ -6059,7 +6056,7 @@
         <p:spPr>
           <a:xfrm>
             <a:off x="457200" y="1252538"/>
-            <a:ext cx="7815263" cy="3490186"/>
+            <a:ext cx="7815263" cy="2259080"/>
           </a:xfrm>
         </p:spPr>
         <p:txBody>
@@ -6067,28 +6064,20 @@
           <a:lstStyle/>
           <a:p>
             <a:r>
-              <a:rPr lang="en-IN" dirty="0"/>
+              <a:rPr lang="en-IN" sz="1600" dirty="0"/>
               <a:t>Machine will be created by Ansible scripts followed by required software installation e.g. python, docker etc.</a:t>
             </a:r>
           </a:p>
           <a:p>
             <a:r>
-              <a:rPr lang="en-IN" dirty="0"/>
+              <a:rPr lang="en-IN" sz="1600" dirty="0"/>
               <a:t>For the execution purpose the script will determine how many containers will be required to create to run the testcases into parallel.</a:t>
             </a:r>
           </a:p>
           <a:p>
             <a:r>
-              <a:rPr lang="en-IN" dirty="0"/>
-              <a:t>The Script will create multiple containers followed by software installation (if any) e.g. </a:t>
-            </a:r>
-            <a:r>
-              <a:rPr lang="en-IN" dirty="0" err="1"/>
-              <a:t>python,openssh</a:t>
-            </a:r>
-            <a:r>
-              <a:rPr lang="en-IN" dirty="0"/>
-              <a:t> etc.</a:t>
+              <a:rPr lang="en-IN" sz="1600" dirty="0"/>
+              <a:t>The Script will create multiple containers followed by software installation (if any) e.g. python etc.</a:t>
             </a:r>
           </a:p>
           <a:p>
@@ -6214,7 +6203,7 @@
         <p:spPr>
           <a:xfrm>
             <a:off x="422376" y="798513"/>
-            <a:ext cx="7815263" cy="4188839"/>
+            <a:ext cx="7815263" cy="4447371"/>
           </a:xfrm>
         </p:spPr>
         <p:txBody>
@@ -6239,6 +6228,14 @@
               </a:rPr>
               <a:t> but introducing some new functionalities that make it more powerful and easier to use, such as:</a:t>
             </a:r>
+          </a:p>
+          <a:p>
+            <a:pPr marL="0" indent="0">
+              <a:buNone/>
+            </a:pPr>
+            <a:endParaRPr lang="en-US" sz="1200" dirty="0">
+              <a:latin typeface="+mj-lt"/>
+            </a:endParaRPr>
           </a:p>
           <a:p>
             <a:pPr lvl="1"/>
@@ -6505,7 +6502,7 @@
         <p:spPr>
           <a:xfrm>
             <a:off x="617420" y="914400"/>
-            <a:ext cx="7586663" cy="5161413"/>
+            <a:ext cx="7586663" cy="5179880"/>
           </a:xfrm>
         </p:spPr>
         <p:txBody>
@@ -6513,11 +6510,25 @@
           <a:lstStyle/>
           <a:p>
             <a:r>
-              <a:rPr lang="en-IN" sz="1100" dirty="0">
-                <a:latin typeface="Verdana" panose="020B0604030504040204" pitchFamily="34" charset="0"/>
+              <a:rPr lang="en-IN" sz="1200" b="1" dirty="0">
+                <a:latin typeface="Avenir 45 Book"/>
                 <a:ea typeface="Verdana" panose="020B0604030504040204" pitchFamily="34" charset="0"/>
               </a:rPr>
-              <a:t>Testng.xml for Parallel execution and scenario creation.</a:t>
+              <a:t>Testng.xml for Parallel execution and scenario </a:t>
+            </a:r>
+            <a:r>
+              <a:rPr lang="en-IN" sz="1200" b="1" dirty="0" err="1">
+                <a:latin typeface="Avenir 45 Book"/>
+                <a:ea typeface="Verdana" panose="020B0604030504040204" pitchFamily="34" charset="0"/>
+              </a:rPr>
+              <a:t>creation.Below</a:t>
+            </a:r>
+            <a:r>
+              <a:rPr lang="en-IN" sz="1200" b="1" dirty="0">
+                <a:latin typeface="Avenir 45 Book"/>
+                <a:ea typeface="Verdana" panose="020B0604030504040204" pitchFamily="34" charset="0"/>
+              </a:rPr>
+              <a:t> is the sample of running 3 tests in parallel.</a:t>
             </a:r>
           </a:p>
           <a:p>
@@ -7230,7 +7241,7 @@
         <p:spPr>
           <a:xfrm>
             <a:off x="457200" y="1252538"/>
-            <a:ext cx="7815263" cy="3933384"/>
+            <a:ext cx="7815263" cy="4105739"/>
           </a:xfrm>
         </p:spPr>
         <p:txBody>
@@ -7238,24 +7249,24 @@
           <a:lstStyle/>
           <a:p>
             <a:r>
-              <a:rPr lang="en-IN" dirty="0"/>
+              <a:rPr lang="en-IN" sz="1600" dirty="0"/>
               <a:t>Following </a:t>
             </a:r>
             <a:r>
-              <a:rPr lang="en-IN" dirty="0" err="1"/>
+              <a:rPr lang="en-IN" sz="1600" dirty="0" err="1"/>
               <a:t>Jsystem</a:t>
             </a:r>
             <a:r>
-              <a:rPr lang="en-IN" dirty="0"/>
+              <a:rPr lang="en-IN" sz="1600" dirty="0"/>
               <a:t> </a:t>
             </a:r>
             <a:r>
-              <a:rPr lang="en-IN" dirty="0" err="1"/>
+              <a:rPr lang="en-IN" sz="1600" dirty="0" err="1"/>
               <a:t>attaributes</a:t>
             </a:r>
             <a:r>
-              <a:rPr lang="en-IN" dirty="0"/>
-              <a:t> will be replaced by TestNG framework for the parallel execution.</a:t>
+              <a:rPr lang="en-IN" sz="1600" dirty="0"/>
+              <a:t> will be replaced by TestNG framework attributes..</a:t>
             </a:r>
           </a:p>
           <a:p>
@@ -7263,8 +7274,8 @@
               <a:buNone/>
             </a:pPr>
             <a:r>
-              <a:rPr lang="en-IN" dirty="0"/>
-              <a:t>      1.Annotation</a:t>
+              <a:rPr lang="en-IN" sz="1600" dirty="0"/>
+              <a:t>      1. Annotation</a:t>
             </a:r>
           </a:p>
           <a:p>
@@ -7272,8 +7283,8 @@
               <a:buNone/>
             </a:pPr>
             <a:r>
-              <a:rPr lang="en-IN" dirty="0"/>
-              <a:t>      2.Reporting statements</a:t>
+              <a:rPr lang="en-IN" sz="1600" dirty="0"/>
+              <a:t>      2. Reporting statements</a:t>
             </a:r>
           </a:p>
           <a:p>
@@ -7281,8 +7292,8 @@
               <a:buNone/>
             </a:pPr>
             <a:r>
-              <a:rPr lang="en-IN" dirty="0"/>
-              <a:t>      3.Scenario xml files</a:t>
+              <a:rPr lang="en-IN" sz="1600" dirty="0"/>
+              <a:t>      3. Scenario xml files</a:t>
             </a:r>
           </a:p>
           <a:p>
@@ -7290,8 +7301,8 @@
               <a:buNone/>
             </a:pPr>
             <a:r>
-              <a:rPr lang="en-IN" dirty="0"/>
-              <a:t>      4.Input parameters to test formats</a:t>
+              <a:rPr lang="en-IN" sz="1600" dirty="0"/>
+              <a:t>      4. Input parameters to test formats</a:t>
             </a:r>
           </a:p>
           <a:p>
@@ -7299,8 +7310,97 @@
               <a:buNone/>
             </a:pPr>
             <a:r>
-              <a:rPr lang="en-IN" dirty="0"/>
-              <a:t>      5.Sut file will be replaced by properties files.</a:t>
+              <a:rPr lang="en-IN" sz="1600" dirty="0"/>
+              <a:t>      5. </a:t>
+            </a:r>
+            <a:r>
+              <a:rPr lang="en-IN" sz="1600" dirty="0" err="1"/>
+              <a:t>Sut</a:t>
+            </a:r>
+            <a:r>
+              <a:rPr lang="en-IN" sz="1600" dirty="0"/>
+              <a:t> file will be replaced by properties files.</a:t>
+            </a:r>
+          </a:p>
+          <a:p>
+            <a:pPr marL="0" indent="0">
+              <a:buNone/>
+            </a:pPr>
+            <a:r>
+              <a:rPr lang="en-IN" sz="1600" dirty="0"/>
+              <a:t>      6. For the reporting there are following options</a:t>
+            </a:r>
+          </a:p>
+          <a:p>
+            <a:pPr lvl="1">
+              <a:buFont typeface="Arial" panose="020B0604020202020204" pitchFamily="34" charset="0"/>
+              <a:buChar char="•"/>
+            </a:pPr>
+            <a:r>
+              <a:rPr lang="en-IN" sz="1200" dirty="0"/>
+              <a:t>          </a:t>
+            </a:r>
+            <a:r>
+              <a:rPr lang="en-IN" sz="1200" b="1" dirty="0"/>
+              <a:t>Existing </a:t>
+            </a:r>
+            <a:r>
+              <a:rPr lang="en-IN" sz="1200" b="1" dirty="0" err="1"/>
+              <a:t>Jsystem</a:t>
+            </a:r>
+            <a:r>
+              <a:rPr lang="en-IN" sz="1200" b="1" dirty="0"/>
+              <a:t> </a:t>
+            </a:r>
+            <a:r>
+              <a:rPr lang="en-IN" sz="1200" b="1" dirty="0" err="1"/>
+              <a:t>difido</a:t>
+            </a:r>
+            <a:r>
+              <a:rPr lang="en-IN" sz="1200" b="1" dirty="0"/>
+              <a:t> report which provides logging facility</a:t>
+            </a:r>
+          </a:p>
+          <a:p>
+            <a:pPr lvl="1">
+              <a:buFont typeface="Arial" panose="020B0604020202020204" pitchFamily="34" charset="0"/>
+              <a:buChar char="•"/>
+            </a:pPr>
+            <a:r>
+              <a:rPr lang="en-IN" sz="1200" b="1" dirty="0"/>
+              <a:t>          </a:t>
+            </a:r>
+            <a:r>
+              <a:rPr lang="en-IN" sz="1200" b="1" dirty="0" err="1"/>
+              <a:t>TestNg</a:t>
+            </a:r>
+            <a:r>
+              <a:rPr lang="en-IN" sz="1200" b="1" dirty="0"/>
+              <a:t> Reporting along with log4J for logging.</a:t>
+            </a:r>
+          </a:p>
+          <a:p>
+            <a:pPr lvl="1">
+              <a:buFont typeface="Arial" panose="020B0604020202020204" pitchFamily="34" charset="0"/>
+              <a:buChar char="•"/>
+            </a:pPr>
+            <a:r>
+              <a:rPr lang="en-IN" sz="1200" b="1" dirty="0"/>
+              <a:t>           Open source Extent Reporting which is easily pluggable with </a:t>
+            </a:r>
+            <a:r>
+              <a:rPr lang="en-IN" sz="1200" b="1" dirty="0" err="1"/>
+              <a:t>testNG</a:t>
+            </a:r>
+            <a:endParaRPr lang="en-IN" sz="1200" b="1" dirty="0"/>
+          </a:p>
+          <a:p>
+            <a:pPr marL="0" indent="0">
+              <a:buNone/>
+            </a:pPr>
+            <a:r>
+              <a:rPr lang="en-IN" sz="1600" b="1" dirty="0"/>
+              <a:t>            </a:t>
             </a:r>
           </a:p>
           <a:p>
@@ -7391,7 +7491,7 @@
         <p:spPr>
           <a:xfrm>
             <a:off x="457200" y="1252538"/>
-            <a:ext cx="7815263" cy="4782848"/>
+            <a:ext cx="7815263" cy="3046988"/>
           </a:xfrm>
         </p:spPr>
         <p:txBody>
@@ -7399,53 +7499,53 @@
           <a:lstStyle/>
           <a:p>
             <a:r>
-              <a:rPr lang="en-IN" dirty="0"/>
+              <a:rPr lang="en-IN" sz="1600" dirty="0"/>
               <a:t>Like </a:t>
             </a:r>
             <a:r>
-              <a:rPr lang="en-IN" dirty="0" err="1"/>
+              <a:rPr lang="en-IN" sz="1600" dirty="0" err="1"/>
               <a:t>Jsystem</a:t>
             </a:r>
             <a:r>
-              <a:rPr lang="en-IN" dirty="0"/>
+              <a:rPr lang="en-IN" sz="1600" dirty="0"/>
               <a:t> TestNG doesn’t have </a:t>
             </a:r>
             <a:r>
-              <a:rPr lang="en-IN" dirty="0" err="1"/>
+              <a:rPr lang="en-IN" sz="1600" dirty="0" err="1"/>
               <a:t>gui</a:t>
             </a:r>
             <a:r>
-              <a:rPr lang="en-IN" dirty="0"/>
+              <a:rPr lang="en-IN" sz="1600" dirty="0"/>
               <a:t> for scenario creation and to provide the </a:t>
             </a:r>
             <a:r>
-              <a:rPr lang="en-IN" dirty="0" err="1"/>
+              <a:rPr lang="en-IN" sz="1600" dirty="0" err="1"/>
               <a:t>parameters.that</a:t>
             </a:r>
             <a:r>
-              <a:rPr lang="en-IN" dirty="0"/>
+              <a:rPr lang="en-IN" sz="1600" dirty="0"/>
               <a:t> we will need to build in future for usability.</a:t>
             </a:r>
           </a:p>
           <a:p>
             <a:r>
-              <a:rPr lang="en-IN" dirty="0"/>
+              <a:rPr lang="en-IN" sz="1600" dirty="0"/>
               <a:t>TestNG inbuilt report Is not quite mature so we need to leverage the </a:t>
             </a:r>
             <a:r>
-              <a:rPr lang="en-IN" dirty="0" err="1"/>
+              <a:rPr lang="en-IN" sz="1600" dirty="0" err="1"/>
               <a:t>Jsystem</a:t>
             </a:r>
             <a:r>
-              <a:rPr lang="en-IN" dirty="0"/>
+              <a:rPr lang="en-IN" sz="1600" dirty="0"/>
               <a:t> existing </a:t>
             </a:r>
             <a:r>
-              <a:rPr lang="en-IN" dirty="0" err="1"/>
+              <a:rPr lang="en-IN" sz="1600" dirty="0" err="1"/>
               <a:t>difido</a:t>
             </a:r>
             <a:r>
-              <a:rPr lang="en-IN" dirty="0"/>
+              <a:rPr lang="en-IN" sz="1600" dirty="0"/>
               <a:t> reports which provides the below facilities</a:t>
             </a:r>
           </a:p>
@@ -7455,7 +7555,7 @@
               <a:buChar char="•"/>
             </a:pPr>
             <a:r>
-              <a:rPr lang="en-IN" dirty="0"/>
+              <a:rPr lang="en-IN" sz="1600" dirty="0"/>
               <a:t>     logging</a:t>
             </a:r>
           </a:p>
@@ -7465,7 +7565,7 @@
               <a:buChar char="•"/>
             </a:pPr>
             <a:r>
-              <a:rPr lang="en-IN" dirty="0"/>
+              <a:rPr lang="en-IN" sz="1600" dirty="0"/>
               <a:t>     links</a:t>
             </a:r>
           </a:p>
@@ -7475,7 +7575,7 @@
               <a:buChar char="•"/>
             </a:pPr>
             <a:r>
-              <a:rPr lang="en-IN" dirty="0"/>
+              <a:rPr lang="en-IN" sz="1600" dirty="0"/>
               <a:t>     inserting tables</a:t>
             </a:r>
           </a:p>
@@ -7484,8 +7584,16 @@
               <a:buNone/>
             </a:pPr>
             <a:r>
-              <a:rPr lang="en-IN" dirty="0"/>
-              <a:t>     or extent reports can be used.</a:t>
+              <a:rPr lang="en-IN" sz="1600" dirty="0"/>
+              <a:t>     or open source </a:t>
+            </a:r>
+            <a:r>
+              <a:rPr lang="en-IN" sz="1600" b="1" dirty="0"/>
+              <a:t>extent reports</a:t>
+            </a:r>
+            <a:r>
+              <a:rPr lang="en-IN" sz="1600" dirty="0"/>
+              <a:t> can be used.</a:t>
             </a:r>
           </a:p>
           <a:p>
@@ -9266,6 +9374,24 @@
 </file>
 
 <file path=customXml/item1.xml><?xml version="1.0" encoding="utf-8"?>
+<p:properties xmlns:p="http://schemas.microsoft.com/office/2006/metadata/properties" xmlns:xsi="http://www.w3.org/2001/XMLSchema-instance" xmlns:pc="http://schemas.microsoft.com/office/infopath/2007/PartnerControls">
+  <documentManagement>
+    <PublishingExpirationDate xmlns="http://schemas.microsoft.com/sharepoint/v3" xsi:nil="true"/>
+    <PublishingStartDate xmlns="http://schemas.microsoft.com/sharepoint/v3" xsi:nil="true"/>
+  </documentManagement>
+</p:properties>
+</file>
+
+<file path=customXml/item2.xml><?xml version="1.0" encoding="utf-8"?>
+<?mso-contentType ?>
+<FormTemplates xmlns="http://schemas.microsoft.com/sharepoint/v3/contenttype/forms">
+  <Display>DocumentLibraryForm</Display>
+  <Edit>DocumentLibraryForm</Edit>
+  <New>DocumentLibraryForm</New>
+</FormTemplates>
+</file>
+
+<file path=customXml/item3.xml><?xml version="1.0" encoding="utf-8"?>
 <ct:contentTypeSchema xmlns:ct="http://schemas.microsoft.com/office/2006/metadata/contentType" xmlns:ma="http://schemas.microsoft.com/office/2006/metadata/properties/metaAttributes" ct:_="" ma:_="" ma:contentTypeName="Document" ma:contentTypeID="0x010100C8ECA8C90724234E95D200C412EB9454" ma:contentTypeVersion="4" ma:contentTypeDescription="Create a new document." ma:contentTypeScope="" ma:versionID="0c058d0e7200ec9dc50c6f24e1ba9734">
   <xsd:schema xmlns:xsd="http://www.w3.org/2001/XMLSchema" xmlns:xs="http://www.w3.org/2001/XMLSchema" xmlns:p="http://schemas.microsoft.com/office/2006/metadata/properties" xmlns:ns1="http://schemas.microsoft.com/sharepoint/v3" xmlns:ns2="51b3407c-fedb-44f6-9ace-eaeb25a76322" targetNamespace="http://schemas.microsoft.com/office/2006/metadata/properties" ma:root="true" ma:fieldsID="b628b415d07df276b4b0fe4f729c7fc9" ns1:_="" ns2:_="">
     <xsd:import namespace="http://schemas.microsoft.com/sharepoint/v3"/>
@@ -9436,25 +9562,32 @@
 </ct:contentTypeSchema>
 </file>
 
-<file path=customXml/item2.xml><?xml version="1.0" encoding="utf-8"?>
-<?mso-contentType ?>
-<FormTemplates xmlns="http://schemas.microsoft.com/sharepoint/v3/contenttype/forms">
-  <Display>DocumentLibraryForm</Display>
-  <Edit>DocumentLibraryForm</Edit>
-  <New>DocumentLibraryForm</New>
-</FormTemplates>
+<file path=customXml/itemProps1.xml><?xml version="1.0" encoding="utf-8"?>
+<ds:datastoreItem xmlns:ds="http://schemas.openxmlformats.org/officeDocument/2006/customXml" ds:itemID="{1C47F3C1-922C-470F-AE9F-3F1BEA58E8F9}">
+  <ds:schemaRefs>
+    <ds:schemaRef ds:uri="http://schemas.microsoft.com/office/2006/metadata/properties"/>
+    <ds:schemaRef ds:uri="http://purl.org/dc/dcmitype/"/>
+    <ds:schemaRef ds:uri="51b3407c-fedb-44f6-9ace-eaeb25a76322"/>
+    <ds:schemaRef ds:uri="http://schemas.microsoft.com/office/2006/documentManagement/types"/>
+    <ds:schemaRef ds:uri="http://www.w3.org/XML/1998/namespace"/>
+    <ds:schemaRef ds:uri="http://schemas.microsoft.com/sharepoint/v3"/>
+    <ds:schemaRef ds:uri="http://purl.org/dc/elements/1.1/"/>
+    <ds:schemaRef ds:uri="http://schemas.microsoft.com/office/infopath/2007/PartnerControls"/>
+    <ds:schemaRef ds:uri="http://schemas.openxmlformats.org/package/2006/metadata/core-properties"/>
+    <ds:schemaRef ds:uri="http://purl.org/dc/terms/"/>
+  </ds:schemaRefs>
+</ds:datastoreItem>
 </file>
 
-<file path=customXml/item3.xml><?xml version="1.0" encoding="utf-8"?>
-<p:properties xmlns:p="http://schemas.microsoft.com/office/2006/metadata/properties" xmlns:xsi="http://www.w3.org/2001/XMLSchema-instance" xmlns:pc="http://schemas.microsoft.com/office/infopath/2007/PartnerControls">
-  <documentManagement>
-    <PublishingExpirationDate xmlns="http://schemas.microsoft.com/sharepoint/v3" xsi:nil="true"/>
-    <PublishingStartDate xmlns="http://schemas.microsoft.com/sharepoint/v3" xsi:nil="true"/>
-  </documentManagement>
-</p:properties>
+<file path=customXml/itemProps2.xml><?xml version="1.0" encoding="utf-8"?>
+<ds:datastoreItem xmlns:ds="http://schemas.openxmlformats.org/officeDocument/2006/customXml" ds:itemID="{5099E0B7-1240-45C9-A487-398764AEB8C1}">
+  <ds:schemaRefs>
+    <ds:schemaRef ds:uri="http://schemas.microsoft.com/sharepoint/v3/contenttype/forms"/>
+  </ds:schemaRefs>
+</ds:datastoreItem>
 </file>
 
-<file path=customXml/itemProps1.xml><?xml version="1.0" encoding="utf-8"?>
+<file path=customXml/itemProps3.xml><?xml version="1.0" encoding="utf-8"?>
 <ds:datastoreItem xmlns:ds="http://schemas.openxmlformats.org/officeDocument/2006/customXml" ds:itemID="{6B7F97AF-C930-4665-81F6-7E76EF9A7F5E}">
   <ds:schemaRefs>
     <ds:schemaRef ds:uri="http://schemas.microsoft.com/office/2006/metadata/contentType"/>
@@ -9471,29 +9604,4 @@
     <ds:schemaRef ds:uri="http://schemas.microsoft.com/internal/obd"/>
   </ds:schemaRefs>
 </ds:datastoreItem>
-</file>
-
-<file path=customXml/itemProps2.xml><?xml version="1.0" encoding="utf-8"?>
-<ds:datastoreItem xmlns:ds="http://schemas.openxmlformats.org/officeDocument/2006/customXml" ds:itemID="{5099E0B7-1240-45C9-A487-398764AEB8C1}">
-  <ds:schemaRefs>
-    <ds:schemaRef ds:uri="http://schemas.microsoft.com/sharepoint/v3/contenttype/forms"/>
-  </ds:schemaRefs>
-</ds:datastoreItem>
-</file>
-
-<file path=customXml/itemProps3.xml><?xml version="1.0" encoding="utf-8"?>
-<ds:datastoreItem xmlns:ds="http://schemas.openxmlformats.org/officeDocument/2006/customXml" ds:itemID="{1C47F3C1-922C-470F-AE9F-3F1BEA58E8F9}">
-  <ds:schemaRefs>
-    <ds:schemaRef ds:uri="http://schemas.microsoft.com/office/2006/metadata/properties"/>
-    <ds:schemaRef ds:uri="http://purl.org/dc/dcmitype/"/>
-    <ds:schemaRef ds:uri="51b3407c-fedb-44f6-9ace-eaeb25a76322"/>
-    <ds:schemaRef ds:uri="http://schemas.microsoft.com/office/2006/documentManagement/types"/>
-    <ds:schemaRef ds:uri="http://www.w3.org/XML/1998/namespace"/>
-    <ds:schemaRef ds:uri="http://schemas.microsoft.com/sharepoint/v3"/>
-    <ds:schemaRef ds:uri="http://purl.org/dc/elements/1.1/"/>
-    <ds:schemaRef ds:uri="http://schemas.microsoft.com/office/infopath/2007/PartnerControls"/>
-    <ds:schemaRef ds:uri="http://schemas.openxmlformats.org/package/2006/metadata/core-properties"/>
-    <ds:schemaRef ds:uri="http://purl.org/dc/terms/"/>
-  </ds:schemaRefs>
-</ds:datastoreItem>
 </file>